--- a/a0draft.pptx
+++ b/a0draft.pptx
@@ -4643,11 +4643,11 @@
             <a:pPr algn="ctr"/>
             <a:r>
               <a:rPr lang="en-US" sz="4800" dirty="0" smtClean="0"/>
-              <a:t>Vinita Mehlawat</a:t>
-            </a:r>
-            <a:r>
-              <a:rPr lang="en-US" sz="4800" baseline="30000" dirty="0" smtClean="0"/>
-              <a:t>1</a:t>
+              <a:t>Vinita </a:t>
+            </a:r>
+            <a:r>
+              <a:rPr lang="en-US" sz="4800" dirty="0" err="1" smtClean="0"/>
+              <a:t>Lamba</a:t>
             </a:r>
             <a:r>
               <a:rPr lang="en-US" sz="4800" dirty="0" smtClean="0"/>
@@ -4695,7 +4695,19 @@
             </a:r>
             <a:r>
               <a:rPr lang="en-US" sz="4800" dirty="0" smtClean="0"/>
-              <a:t>, Gita Yadav</a:t>
+              <a:t>, </a:t>
+            </a:r>
+            <a:r>
+              <a:rPr lang="en-US" sz="4800" dirty="0" err="1" smtClean="0"/>
+              <a:t>Gitanjali</a:t>
+            </a:r>
+            <a:r>
+              <a:rPr lang="en-US" sz="4800" dirty="0" smtClean="0"/>
+              <a:t> </a:t>
+            </a:r>
+            <a:r>
+              <a:rPr lang="en-US" sz="4800" dirty="0" smtClean="0"/>
+              <a:t>Yadav</a:t>
             </a:r>
             <a:r>
               <a:rPr lang="en-US" sz="4800" baseline="30000" dirty="0" smtClean="0"/>
@@ -4718,7 +4730,15 @@
             </a:r>
             <a:r>
               <a:rPr lang="en-US" sz="3600" dirty="0" smtClean="0"/>
-              <a:t>National Institute of Plant Genome Research, Delhi, IN; </a:t>
+              <a:t>National Institute of Plant Genome Research, </a:t>
+            </a:r>
+            <a:r>
+              <a:rPr lang="en-US" sz="3600" dirty="0" smtClean="0"/>
+              <a:t>New Delhi</a:t>
+            </a:r>
+            <a:r>
+              <a:rPr lang="en-US" sz="3600" dirty="0" smtClean="0"/>
+              <a:t>, IN; </a:t>
             </a:r>
             <a:r>
               <a:rPr lang="en-US" sz="3600" baseline="30000" dirty="0" smtClean="0"/>
@@ -4833,9 +4853,9 @@
           <p:grpSpPr>
             <a:xfrm>
               <a:off x="16661299" y="9933983"/>
-              <a:ext cx="13308447" cy="8196523"/>
+              <a:ext cx="11791834" cy="8128224"/>
               <a:chOff x="16661299" y="9933983"/>
-              <a:chExt cx="13308447" cy="8196523"/>
+              <a:chExt cx="11791834" cy="8128224"/>
             </a:xfrm>
           </p:grpSpPr>
           <p:sp>
@@ -5208,36 +5228,6 @@
               </p:txBody>
             </p:sp>
           </p:grpSp>
-          <p:pic>
-            <p:nvPicPr>
-              <p:cNvPr id="114" name="Picture 113" descr="Screenshot 2019-07-22 at 11.43.20.png"/>
-              <p:cNvPicPr>
-                <a:picLocks noChangeAspect="1"/>
-              </p:cNvPicPr>
-              <p:nvPr/>
-            </p:nvPicPr>
-            <p:blipFill>
-              <a:blip r:embed="rId4">
-                <a:extLst>
-                  <a:ext uri="{28A0092B-C50C-407E-A947-70E740481C1C}">
-                    <a14:useLocalDpi xmlns:a14="http://schemas.microsoft.com/office/drawing/2010/main" val="0"/>
-                  </a:ext>
-                </a:extLst>
-              </a:blip>
-              <a:stretch>
-                <a:fillRect/>
-              </a:stretch>
-            </p:blipFill>
-            <p:spPr>
-              <a:xfrm>
-                <a:off x="29487402" y="17768790"/>
-                <a:ext cx="321563" cy="293417"/>
-              </a:xfrm>
-              <a:prstGeom prst="rect">
-                <a:avLst/>
-              </a:prstGeom>
-            </p:spPr>
-          </p:pic>
           <p:grpSp>
             <p:nvGrpSpPr>
               <p:cNvPr id="115" name="Group 114"/>
@@ -5574,10 +5564,10 @@
             </p:nvGrpSpPr>
             <p:grpSpPr>
               <a:xfrm>
-                <a:off x="18490427" y="15577501"/>
-                <a:ext cx="9364619" cy="2553005"/>
-                <a:chOff x="18490427" y="15577501"/>
-                <a:chExt cx="9364619" cy="2553005"/>
+                <a:off x="16757824" y="15577501"/>
+                <a:ext cx="11097222" cy="2484706"/>
+                <a:chOff x="16757824" y="15577501"/>
+                <a:chExt cx="11097222" cy="2484706"/>
               </a:xfrm>
             </p:grpSpPr>
             <p:grpSp>
@@ -5708,7 +5698,7 @@
               </p:blipFill>
               <p:spPr>
                 <a:xfrm>
-                  <a:off x="18490427" y="17659380"/>
+                  <a:off x="16757824" y="17591081"/>
                   <a:ext cx="839503" cy="471126"/>
                 </a:xfrm>
                 <a:prstGeom prst="rect">
@@ -5802,36 +5792,6 @@
               </a:p>
             </p:txBody>
           </p:sp>
-          <p:pic>
-            <p:nvPicPr>
-              <p:cNvPr id="125" name="Picture 124" descr="Screenshot 2019-07-22 at 11.43.20.png"/>
-              <p:cNvPicPr>
-                <a:picLocks noChangeAspect="1"/>
-              </p:cNvPicPr>
-              <p:nvPr/>
-            </p:nvPicPr>
-            <p:blipFill>
-              <a:blip r:embed="rId4">
-                <a:extLst>
-                  <a:ext uri="{28A0092B-C50C-407E-A947-70E740481C1C}">
-                    <a14:useLocalDpi xmlns:a14="http://schemas.microsoft.com/office/drawing/2010/main" val="0"/>
-                  </a:ext>
-                </a:extLst>
-              </a:blip>
-              <a:stretch>
-                <a:fillRect/>
-              </a:stretch>
-            </p:blipFill>
-            <p:spPr>
-              <a:xfrm>
-                <a:off x="29648183" y="11898774"/>
-                <a:ext cx="321563" cy="293417"/>
-              </a:xfrm>
-              <a:prstGeom prst="rect">
-                <a:avLst/>
-              </a:prstGeom>
-            </p:spPr>
-          </p:pic>
           <p:pic>
             <p:nvPicPr>
               <p:cNvPr id="126" name="Picture 125" descr="Screenshot 2019-07-22 at 11.43.20.png"/>
@@ -6223,7 +6183,7 @@
             </p:blipFill>
             <p:spPr>
               <a:xfrm>
-                <a:off x="18910179" y="16763675"/>
+                <a:off x="16757824" y="16532842"/>
                 <a:ext cx="814791" cy="957715"/>
               </a:xfrm>
               <a:prstGeom prst="rect">
@@ -6723,11 +6683,11 @@
             </a:r>
             <a:r>
               <a:rPr lang="en-US" sz="4400" dirty="0" smtClean="0"/>
-              <a:t> 2.0 and </a:t>
+              <a:t> </a:t>
             </a:r>
             <a:r>
               <a:rPr lang="en-US" sz="4400" dirty="0" smtClean="0"/>
-              <a:t>WikiFactMine </a:t>
+              <a:t>2.0/WikiFactMine </a:t>
             </a:r>
             <a:r>
               <a:rPr lang="en-US" sz="4400" dirty="0" smtClean="0"/>
@@ -6898,38 +6858,8 @@
         </p:blipFill>
         <p:spPr>
           <a:xfrm>
-            <a:off x="611657" y="27818352"/>
+            <a:off x="748127" y="24170294"/>
             <a:ext cx="1667510" cy="1633220"/>
-          </a:xfrm>
-          <a:prstGeom prst="ellipse">
-            <a:avLst/>
-          </a:prstGeom>
-          <a:ln>
-            <a:solidFill>
-              <a:schemeClr val="tx1"/>
-            </a:solidFill>
-          </a:ln>
-        </p:spPr>
-      </p:pic>
-      <p:pic>
-        <p:nvPicPr>
-          <p:cNvPr id="152" name="Picture 151"/>
-          <p:cNvPicPr>
-            <a:picLocks noChangeAspect="1"/>
-          </p:cNvPicPr>
-          <p:nvPr/>
-        </p:nvPicPr>
-        <p:blipFill rotWithShape="1">
-          <a:blip r:embed="rId7"/>
-          <a:srcRect l="35268" t="33972" r="15810" b="4384"/>
-          <a:stretch>
-            <a:fillRect/>
-          </a:stretch>
-        </p:blipFill>
-        <p:spPr>
-          <a:xfrm>
-            <a:off x="611657" y="21777727"/>
-            <a:ext cx="2147145" cy="2026518"/>
           </a:xfrm>
           <a:prstGeom prst="ellipse">
             <a:avLst/>
@@ -6950,14 +6880,14 @@
           <p:nvPr/>
         </p:nvPicPr>
         <p:blipFill>
-          <a:blip r:embed="rId8"/>
+          <a:blip r:embed="rId7"/>
           <a:stretch>
             <a:fillRect/>
           </a:stretch>
         </p:blipFill>
         <p:spPr>
           <a:xfrm>
-            <a:off x="564378" y="24574081"/>
+            <a:off x="611657" y="21977301"/>
             <a:ext cx="2051685" cy="1878965"/>
           </a:xfrm>
           <a:prstGeom prst="ellipse">
@@ -6995,8 +6925,37 @@
             <a:pPr algn="ctr"/>
             <a:r>
               <a:rPr lang="en-US" sz="3000" dirty="0"/>
-              <a:t>Most commonly used  parts of Lantana</a:t>
-            </a:r>
+              <a:t>C</a:t>
+            </a:r>
+            <a:r>
+              <a:rPr lang="en-US" sz="3000" dirty="0" smtClean="0"/>
+              <a:t>ommonly </a:t>
+            </a:r>
+            <a:r>
+              <a:rPr lang="en-US" sz="3000" dirty="0"/>
+              <a:t>used  </a:t>
+            </a:r>
+            <a:r>
+              <a:rPr lang="en-US" sz="3000" b="1" dirty="0" err="1" smtClean="0"/>
+              <a:t>plantpart</a:t>
+            </a:r>
+            <a:r>
+              <a:rPr lang="en-US" sz="3000" dirty="0" err="1" smtClean="0"/>
+              <a:t>s</a:t>
+            </a:r>
+            <a:r>
+              <a:rPr lang="en-US" sz="3000" dirty="0" smtClean="0"/>
+              <a:t> </a:t>
+            </a:r>
+            <a:r>
+              <a:rPr lang="en-US" sz="3000" dirty="0"/>
+              <a:t>of </a:t>
+            </a:r>
+            <a:r>
+              <a:rPr lang="en-US" sz="3000" dirty="0" smtClean="0"/>
+              <a:t>Lantana </a:t>
+            </a:r>
+            <a:endParaRPr lang="en-US" sz="3000" dirty="0"/>
           </a:p>
         </p:txBody>
       </p:sp>
@@ -7009,7 +6968,7 @@
           <p:nvPr/>
         </p:nvPicPr>
         <p:blipFill>
-          <a:blip r:embed="rId9"/>
+          <a:blip r:embed="rId8"/>
           <a:srcRect r="17990" b="4930"/>
           <a:stretch>
             <a:fillRect/>
@@ -7036,34 +6995,6 @@
               </a:schemeClr>
             </a:glow>
           </a:effectLst>
-        </p:spPr>
-      </p:pic>
-      <p:pic>
-        <p:nvPicPr>
-          <p:cNvPr id="160" name="Picture 9"/>
-          <p:cNvPicPr>
-            <a:picLocks noChangeAspect="1"/>
-          </p:cNvPicPr>
-          <p:nvPr/>
-        </p:nvPicPr>
-        <p:blipFill>
-          <a:blip r:embed="rId10"/>
-          <a:stretch>
-            <a:fillRect/>
-          </a:stretch>
-        </p:blipFill>
-        <p:spPr>
-          <a:xfrm>
-            <a:off x="26509588" y="19172260"/>
-            <a:ext cx="2511003" cy="2755957"/>
-          </a:xfrm>
-          <a:prstGeom prst="rect">
-            <a:avLst/>
-          </a:prstGeom>
-          <a:noFill/>
-          <a:ln w="9525">
-            <a:noFill/>
-          </a:ln>
         </p:spPr>
       </p:pic>
       <p:sp>
@@ -7181,7 +7112,7 @@
             <p:nvPr/>
           </p:nvPicPr>
           <p:blipFill>
-            <a:blip r:embed="rId11"/>
+            <a:blip r:embed="rId9"/>
             <a:srcRect l="631" t="-409" r="675" b="4410"/>
             <a:stretch>
               <a:fillRect/>
@@ -7646,7 +7577,7 @@
           </p:nvSpPr>
           <p:spPr>
             <a:xfrm rot="14340000">
-              <a:off x="6387842" y="23802638"/>
+              <a:off x="6643694" y="23621915"/>
               <a:ext cx="655566" cy="1752755"/>
             </a:xfrm>
             <a:prstGeom prst="rect">
@@ -7692,7 +7623,7 @@
           </p:nvSpPr>
           <p:spPr>
             <a:xfrm rot="20220000">
-              <a:off x="5784474" y="23378723"/>
+              <a:off x="5784474" y="23688533"/>
               <a:ext cx="1108617" cy="889698"/>
             </a:xfrm>
             <a:prstGeom prst="rect">
@@ -7707,7 +7638,7 @@
             <a:lstStyle/>
             <a:p>
               <a:r>
-                <a:rPr lang="en-US" sz="1600" b="1">
+                <a:rPr lang="en-US" sz="1600" b="1" dirty="0">
                   <a:latin typeface="Shruti" charset="0"/>
                   <a:cs typeface="Shruti" charset="0"/>
                 </a:rPr>
@@ -7724,8 +7655,8 @@
           </p:nvSpPr>
           <p:spPr>
             <a:xfrm rot="21060000">
-              <a:off x="5528133" y="22742597"/>
-              <a:ext cx="1621298" cy="515088"/>
+              <a:off x="5528133" y="22845868"/>
+              <a:ext cx="1621299" cy="515088"/>
             </a:xfrm>
             <a:prstGeom prst="rect">
               <a:avLst/>
@@ -7756,8 +7687,8 @@
           </p:nvSpPr>
           <p:spPr>
             <a:xfrm rot="840000">
-              <a:off x="5102725" y="21838001"/>
-              <a:ext cx="2471749" cy="889698"/>
+              <a:off x="5102725" y="22070358"/>
+              <a:ext cx="2471750" cy="889698"/>
             </a:xfrm>
             <a:prstGeom prst="rect">
               <a:avLst/>
@@ -7771,12 +7702,23 @@
             <a:lstStyle/>
             <a:p>
               <a:r>
-                <a:rPr lang="en-US" sz="1600" b="1">
+                <a:rPr lang="en-US" sz="1600" b="1" dirty="0">
                   <a:latin typeface="Shruti" charset="0"/>
                   <a:cs typeface="Shruti" charset="0"/>
                 </a:rPr>
-                <a:t>α-phellandrene</a:t>
+                <a:t>α-</a:t>
               </a:r>
+              <a:r>
+                <a:rPr lang="en-US" sz="1600" b="1" dirty="0" err="1">
+                  <a:latin typeface="Shruti" charset="0"/>
+                  <a:cs typeface="Shruti" charset="0"/>
+                </a:rPr>
+                <a:t>phellandrene</a:t>
+              </a:r>
+              <a:endParaRPr lang="en-US" sz="1600" b="1" dirty="0">
+                <a:latin typeface="Shruti" charset="0"/>
+                <a:cs typeface="Shruti" charset="0"/>
+              </a:endParaRPr>
             </a:p>
           </p:txBody>
         </p:sp>
@@ -7788,8 +7730,8 @@
           </p:nvSpPr>
           <p:spPr>
             <a:xfrm rot="1860000">
-              <a:off x="5849106" y="20919380"/>
-              <a:ext cx="1549362" cy="889698"/>
+              <a:off x="5849106" y="21177555"/>
+              <a:ext cx="1549363" cy="889698"/>
             </a:xfrm>
             <a:prstGeom prst="rect">
               <a:avLst/>
@@ -7803,7 +7745,7 @@
             <a:lstStyle/>
             <a:p>
               <a:r>
-                <a:rPr lang="en-US" sz="1600" b="1">
+                <a:rPr lang="en-US" sz="1600" b="1" dirty="0">
                   <a:latin typeface="Shruti" charset="0"/>
                   <a:cs typeface="Shruti" charset="0"/>
                 </a:rPr>
@@ -7905,7 +7847,7 @@
         </p:nvSpPr>
         <p:spPr>
           <a:xfrm>
-            <a:off x="3915248" y="19172260"/>
+            <a:off x="3915248" y="18958539"/>
             <a:ext cx="22532068" cy="1354217"/>
           </a:xfrm>
           <a:prstGeom prst="rect">
@@ -7940,32 +7882,6 @@
           </a:p>
         </p:txBody>
       </p:sp>
-      <p:sp>
-        <p:nvSpPr>
-          <p:cNvPr id="11" name="TextBox 10"/>
-          <p:cNvSpPr txBox="1"/>
-          <p:nvPr/>
-        </p:nvSpPr>
-        <p:spPr>
-          <a:xfrm>
-            <a:off x="26451691" y="23040940"/>
-            <a:ext cx="184666" cy="1354217"/>
-          </a:xfrm>
-          <a:prstGeom prst="rect">
-            <a:avLst/>
-          </a:prstGeom>
-          <a:noFill/>
-        </p:spPr>
-        <p:txBody>
-          <a:bodyPr wrap="none" rtlCol="0">
-            <a:spAutoFit/>
-          </a:bodyPr>
-          <a:lstStyle/>
-          <a:p>
-            <a:endParaRPr lang="en-US" dirty="0"/>
-          </a:p>
-        </p:txBody>
-      </p:sp>
       <p:pic>
         <p:nvPicPr>
           <p:cNvPr id="12" name="Picture 11" descr="Screenshot 2019-07-22 at 22.46.49.png"/>
@@ -7975,7 +7891,7 @@
           <p:nvPr/>
         </p:nvPicPr>
         <p:blipFill>
-          <a:blip r:embed="rId12">
+          <a:blip r:embed="rId10">
             <a:extLst>
               <a:ext uri="{28A0092B-C50C-407E-A947-70E740481C1C}">
                 <a14:useLocalDpi xmlns:a14="http://schemas.microsoft.com/office/drawing/2010/main" val="0"/>
@@ -8005,7 +7921,7 @@
           <p:nvPr/>
         </p:nvPicPr>
         <p:blipFill>
-          <a:blip r:embed="rId13">
+          <a:blip r:embed="rId11">
             <a:extLst>
               <a:ext uri="{28A0092B-C50C-407E-A947-70E740481C1C}">
                 <a14:useLocalDpi xmlns:a14="http://schemas.microsoft.com/office/drawing/2010/main" val="0"/>
@@ -8035,7 +7951,7 @@
           <p:nvPr/>
         </p:nvPicPr>
         <p:blipFill>
-          <a:blip r:embed="rId14">
+          <a:blip r:embed="rId12">
             <a:extLst>
               <a:ext uri="{28A0092B-C50C-407E-A947-70E740481C1C}">
                 <a14:useLocalDpi xmlns:a14="http://schemas.microsoft.com/office/drawing/2010/main" val="0"/>
@@ -8056,46 +7972,89 @@
           </a:prstGeom>
         </p:spPr>
       </p:pic>
-      <p:sp>
-        <p:nvSpPr>
-          <p:cNvPr id="208" name="TextBox 207"/>
-          <p:cNvSpPr txBox="1"/>
+      <p:grpSp>
+        <p:nvGrpSpPr>
+          <p:cNvPr id="36" name="Group 35"/>
+          <p:cNvGrpSpPr/>
           <p:nvPr/>
-        </p:nvSpPr>
-        <p:spPr>
+        </p:nvGrpSpPr>
+        <p:grpSpPr>
           <a:xfrm>
-            <a:off x="26810453" y="22163299"/>
-            <a:ext cx="1425526" cy="369332"/>
+            <a:off x="26850136" y="19948957"/>
+            <a:ext cx="2511003" cy="3360371"/>
+            <a:chOff x="26509588" y="19172260"/>
+            <a:chExt cx="2511003" cy="3360371"/>
           </a:xfrm>
-          <a:prstGeom prst="rect">
-            <a:avLst/>
-          </a:prstGeom>
-          <a:solidFill>
-            <a:schemeClr val="accent6">
-              <a:lumMod val="20000"/>
-              <a:lumOff val="80000"/>
-            </a:schemeClr>
-          </a:solidFill>
-          <a:ln>
+        </p:grpSpPr>
+        <p:pic>
+          <p:nvPicPr>
+            <p:cNvPr id="160" name="Picture 9"/>
+            <p:cNvPicPr>
+              <a:picLocks noChangeAspect="1"/>
+            </p:cNvPicPr>
+            <p:nvPr/>
+          </p:nvPicPr>
+          <p:blipFill>
+            <a:blip r:embed="rId13"/>
+            <a:stretch>
+              <a:fillRect/>
+            </a:stretch>
+          </p:blipFill>
+          <p:spPr>
+            <a:xfrm>
+              <a:off x="26509588" y="19172260"/>
+              <a:ext cx="2511003" cy="2755957"/>
+            </a:xfrm>
+            <a:prstGeom prst="rect">
+              <a:avLst/>
+            </a:prstGeom>
+            <a:noFill/>
+            <a:ln w="9525">
+              <a:noFill/>
+            </a:ln>
+          </p:spPr>
+        </p:pic>
+        <p:sp>
+          <p:nvSpPr>
+            <p:cNvPr id="208" name="TextBox 207"/>
+            <p:cNvSpPr txBox="1"/>
+            <p:nvPr/>
+          </p:nvSpPr>
+          <p:spPr>
+            <a:xfrm>
+              <a:off x="26810453" y="22163299"/>
+              <a:ext cx="1425526" cy="369332"/>
+            </a:xfrm>
+            <a:prstGeom prst="rect">
+              <a:avLst/>
+            </a:prstGeom>
             <a:solidFill>
-              <a:schemeClr val="tx1"/>
+              <a:schemeClr val="accent6">
+                <a:lumMod val="20000"/>
+                <a:lumOff val="80000"/>
+              </a:schemeClr>
             </a:solidFill>
-          </a:ln>
-        </p:spPr>
-        <p:txBody>
-          <a:bodyPr wrap="square" rtlCol="0">
-            <a:spAutoFit/>
-          </a:bodyPr>
-          <a:lstStyle/>
-          <a:p>
-            <a:r>
-              <a:rPr lang="en-US" sz="1800" b="1" dirty="0" smtClean="0"/>
-              <a:t>extraction </a:t>
-            </a:r>
-            <a:endParaRPr lang="en-US" sz="1800" b="1" dirty="0"/>
-          </a:p>
-        </p:txBody>
-      </p:sp>
+            <a:ln>
+              <a:solidFill>
+                <a:schemeClr val="tx1"/>
+              </a:solidFill>
+            </a:ln>
+          </p:spPr>
+          <p:txBody>
+            <a:bodyPr wrap="square" rtlCol="0">
+              <a:spAutoFit/>
+            </a:bodyPr>
+            <a:lstStyle/>
+            <a:p>
+              <a:r>
+                <a:rPr lang="en-US" sz="1800" b="1" dirty="0" smtClean="0"/>
+                <a:t>extraction </a:t>
+              </a:r>
+              <a:endParaRPr lang="en-US" sz="1800" b="1" dirty="0"/>
+            </a:p>
+          </p:txBody>
+        </p:sp>
+      </p:grpSp>
       <p:sp>
         <p:nvSpPr>
           <p:cNvPr id="209" name="Text Box 29"/>
@@ -8146,7 +8105,7 @@
           <p:nvPr/>
         </p:nvPicPr>
         <p:blipFill>
-          <a:blip r:embed="rId15"/>
+          <a:blip r:embed="rId14"/>
           <a:stretch>
             <a:fillRect/>
           </a:stretch>
@@ -8278,7 +8237,7 @@
           <p:nvPr/>
         </p:nvPicPr>
         <p:blipFill>
-          <a:blip r:embed="rId16"/>
+          <a:blip r:embed="rId15"/>
           <a:srcRect l="51884" t="27831" r="17282" b="1047"/>
           <a:stretch>
             <a:fillRect/>
@@ -8394,7 +8353,7 @@
           <p:nvPr/>
         </p:nvPicPr>
         <p:blipFill>
-          <a:blip r:embed="rId15"/>
+          <a:blip r:embed="rId14"/>
           <a:stretch>
             <a:fillRect/>
           </a:stretch>
@@ -8526,7 +8485,7 @@
           <p:nvPr/>
         </p:nvPicPr>
         <p:blipFill>
-          <a:blip r:embed="rId16"/>
+          <a:blip r:embed="rId15"/>
           <a:srcRect l="51884" t="27831" r="17282" b="1047"/>
           <a:stretch>
             <a:fillRect/>
@@ -8601,7 +8560,7 @@
           <p:nvPr/>
         </p:nvPicPr>
         <p:blipFill>
-          <a:blip r:embed="rId16"/>
+          <a:blip r:embed="rId15"/>
           <a:srcRect l="51884" t="27831" r="17282" b="1047"/>
           <a:stretch>
             <a:fillRect/>
@@ -8609,8 +8568,8 @@
         </p:blipFill>
         <p:spPr>
           <a:xfrm>
-            <a:off x="8169071" y="23817858"/>
-            <a:ext cx="1833568" cy="3308590"/>
+            <a:off x="8588157" y="24574080"/>
+            <a:ext cx="1414481" cy="2552367"/>
           </a:xfrm>
           <a:prstGeom prst="rect">
             <a:avLst/>
@@ -8623,121 +8582,6 @@
           </a:ln>
         </p:spPr>
       </p:pic>
-      <p:sp>
-        <p:nvSpPr>
-          <p:cNvPr id="267" name="Text Box 36"/>
-          <p:cNvSpPr txBox="1"/>
-          <p:nvPr/>
-        </p:nvSpPr>
-        <p:spPr>
-          <a:xfrm>
-            <a:off x="11685371" y="7044481"/>
-            <a:ext cx="5337175" cy="645160"/>
-          </a:xfrm>
-          <a:prstGeom prst="rect">
-            <a:avLst/>
-          </a:prstGeom>
-          <a:noFill/>
-        </p:spPr>
-        <p:txBody>
-          <a:bodyPr wrap="square" rtlCol="0">
-            <a:spAutoFit/>
-          </a:bodyPr>
-          <a:lstStyle/>
-          <a:p>
-            <a:r>
-              <a:rPr lang="en-US" sz="3600" kern="1200"/>
-              <a:t>Lantana </a:t>
-            </a:r>
-            <a:r>
-              <a:rPr lang="en-US" sz="3600" kern="1200">
-                <a:latin typeface="Arial" panose="020B0604020202020204" pitchFamily="34" charset="0"/>
-                <a:cs typeface="Arial" panose="020B0604020202020204" pitchFamily="34" charset="0"/>
-              </a:rPr>
-              <a:t>Essential </a:t>
-            </a:r>
-            <a:r>
-              <a:rPr lang="en-US" sz="3600" kern="1200"/>
-              <a:t>Oil </a:t>
-            </a:r>
-            <a:r>
-              <a:rPr lang="en-US" sz="3600" kern="1200" baseline="30000"/>
-              <a:t>[4]</a:t>
-            </a:r>
-          </a:p>
-        </p:txBody>
-      </p:sp>
-      <p:pic>
-        <p:nvPicPr>
-          <p:cNvPr id="268" name="Picture 267"/>
-          <p:cNvPicPr>
-            <a:picLocks noChangeAspect="1"/>
-          </p:cNvPicPr>
-          <p:nvPr/>
-        </p:nvPicPr>
-        <p:blipFill>
-          <a:blip r:embed="rId15"/>
-          <a:stretch>
-            <a:fillRect/>
-          </a:stretch>
-        </p:blipFill>
-        <p:spPr>
-          <a:xfrm>
-            <a:off x="27446857" y="22925872"/>
-            <a:ext cx="2522889" cy="1860787"/>
-          </a:xfrm>
-          <a:prstGeom prst="rect">
-            <a:avLst/>
-          </a:prstGeom>
-          <a:noFill/>
-          <a:ln w="38100">
-            <a:solidFill>
-              <a:schemeClr val="tx1"/>
-            </a:solidFill>
-          </a:ln>
-        </p:spPr>
-      </p:pic>
-      <p:sp>
-        <p:nvSpPr>
-          <p:cNvPr id="269" name="Text Box 29"/>
-          <p:cNvSpPr txBox="1"/>
-          <p:nvPr/>
-        </p:nvSpPr>
-        <p:spPr>
-          <a:xfrm>
-            <a:off x="12259411" y="11243101"/>
-            <a:ext cx="6317615" cy="1198880"/>
-          </a:xfrm>
-          <a:prstGeom prst="rect">
-            <a:avLst/>
-          </a:prstGeom>
-          <a:noFill/>
-          <a:ln w="9525">
-            <a:noFill/>
-          </a:ln>
-        </p:spPr>
-        <p:txBody>
-          <a:bodyPr wrap="square" anchor="t">
-            <a:spAutoFit/>
-          </a:bodyPr>
-          <a:lstStyle/>
-          <a:p>
-            <a:pPr algn="ctr"/>
-            <a:r>
-              <a:rPr lang="en-IN" altLang="en-US" sz="3600" kern="1200" dirty="0" smtClean="0">
-                <a:latin typeface="Arial" panose="020B0604020202020204" pitchFamily="34" charset="0"/>
-              </a:rPr>
-              <a:t>GC/MS Instrument – Agilent Technologies </a:t>
-            </a:r>
-            <a:r>
-              <a:rPr lang="en-IN" altLang="en-US" sz="3600" kern="1200" baseline="30000" dirty="0" smtClean="0">
-                <a:latin typeface="Arial" panose="020B0604020202020204" pitchFamily="34" charset="0"/>
-              </a:rPr>
-              <a:t>[3]</a:t>
-            </a:r>
-          </a:p>
-        </p:txBody>
-      </p:sp>
       <p:sp>
         <p:nvSpPr>
           <p:cNvPr id="24" name="TextBox 23"/>
@@ -8770,86 +8614,157 @@
           </a:p>
         </p:txBody>
       </p:sp>
-      <p:sp>
-        <p:nvSpPr>
-          <p:cNvPr id="270" name="TextBox 269"/>
-          <p:cNvSpPr txBox="1"/>
+      <p:grpSp>
+        <p:nvGrpSpPr>
+          <p:cNvPr id="32" name="Group 31"/>
+          <p:cNvGrpSpPr/>
           <p:nvPr/>
-        </p:nvSpPr>
-        <p:spPr>
+        </p:nvGrpSpPr>
+        <p:grpSpPr>
           <a:xfrm>
-            <a:off x="27641223" y="25102821"/>
-            <a:ext cx="1582172" cy="369332"/>
+            <a:off x="26451691" y="23804245"/>
+            <a:ext cx="2757411" cy="3269315"/>
+            <a:chOff x="26451691" y="22925872"/>
+            <a:chExt cx="2757411" cy="3269315"/>
           </a:xfrm>
-          <a:prstGeom prst="rect">
-            <a:avLst/>
-          </a:prstGeom>
-          <a:solidFill>
-            <a:schemeClr val="accent6">
-              <a:lumMod val="20000"/>
-              <a:lumOff val="80000"/>
-            </a:schemeClr>
-          </a:solidFill>
-          <a:ln>
+        </p:grpSpPr>
+        <p:sp>
+          <p:nvSpPr>
+            <p:cNvPr id="11" name="TextBox 10"/>
+            <p:cNvSpPr txBox="1"/>
+            <p:nvPr/>
+          </p:nvSpPr>
+          <p:spPr>
+            <a:xfrm>
+              <a:off x="26451691" y="23040940"/>
+              <a:ext cx="184666" cy="1354217"/>
+            </a:xfrm>
+            <a:prstGeom prst="rect">
+              <a:avLst/>
+            </a:prstGeom>
+            <a:noFill/>
+          </p:spPr>
+          <p:txBody>
+            <a:bodyPr wrap="none" rtlCol="0">
+              <a:spAutoFit/>
+            </a:bodyPr>
+            <a:lstStyle/>
+            <a:p>
+              <a:endParaRPr lang="en-US" dirty="0"/>
+            </a:p>
+          </p:txBody>
+        </p:sp>
+        <p:pic>
+          <p:nvPicPr>
+            <p:cNvPr id="268" name="Picture 267"/>
+            <p:cNvPicPr>
+              <a:picLocks noChangeAspect="1"/>
+            </p:cNvPicPr>
+            <p:nvPr/>
+          </p:nvPicPr>
+          <p:blipFill>
+            <a:blip r:embed="rId14"/>
+            <a:stretch>
+              <a:fillRect/>
+            </a:stretch>
+          </p:blipFill>
+          <p:spPr>
+            <a:xfrm>
+              <a:off x="26686213" y="22925872"/>
+              <a:ext cx="2522889" cy="1860787"/>
+            </a:xfrm>
+            <a:prstGeom prst="rect">
+              <a:avLst/>
+            </a:prstGeom>
+            <a:noFill/>
+            <a:ln w="38100">
+              <a:solidFill>
+                <a:schemeClr val="tx1"/>
+              </a:solidFill>
+            </a:ln>
+          </p:spPr>
+        </p:pic>
+        <p:sp>
+          <p:nvSpPr>
+            <p:cNvPr id="270" name="TextBox 269"/>
+            <p:cNvSpPr txBox="1"/>
+            <p:nvPr/>
+          </p:nvSpPr>
+          <p:spPr>
+            <a:xfrm>
+              <a:off x="26939554" y="25176927"/>
+              <a:ext cx="1582172" cy="369332"/>
+            </a:xfrm>
+            <a:prstGeom prst="rect">
+              <a:avLst/>
+            </a:prstGeom>
             <a:solidFill>
-              <a:schemeClr val="tx1"/>
+              <a:schemeClr val="accent6">
+                <a:lumMod val="20000"/>
+                <a:lumOff val="80000"/>
+              </a:schemeClr>
             </a:solidFill>
-          </a:ln>
-        </p:spPr>
-        <p:txBody>
-          <a:bodyPr wrap="square" rtlCol="0">
-            <a:spAutoFit/>
-          </a:bodyPr>
-          <a:lstStyle/>
-          <a:p>
-            <a:r>
-              <a:rPr lang="en-US" sz="1800" b="1" dirty="0" smtClean="0"/>
-              <a:t>measurement</a:t>
-            </a:r>
-            <a:endParaRPr lang="en-US" sz="1800" b="1" dirty="0"/>
-          </a:p>
-        </p:txBody>
-      </p:sp>
-      <p:sp>
-        <p:nvSpPr>
-          <p:cNvPr id="271" name="TextBox 270"/>
-          <p:cNvSpPr txBox="1"/>
-          <p:nvPr/>
-        </p:nvSpPr>
-        <p:spPr>
-          <a:xfrm>
-            <a:off x="27656992" y="25751749"/>
-            <a:ext cx="1592281" cy="369332"/>
-          </a:xfrm>
-          <a:prstGeom prst="rect">
-            <a:avLst/>
-          </a:prstGeom>
-          <a:solidFill>
-            <a:schemeClr val="accent6">
-              <a:lumMod val="20000"/>
-              <a:lumOff val="80000"/>
-            </a:schemeClr>
-          </a:solidFill>
-          <a:ln>
+            <a:ln>
+              <a:solidFill>
+                <a:schemeClr val="tx1"/>
+              </a:solidFill>
+            </a:ln>
+          </p:spPr>
+          <p:txBody>
+            <a:bodyPr wrap="square" rtlCol="0">
+              <a:spAutoFit/>
+            </a:bodyPr>
+            <a:lstStyle/>
+            <a:p>
+              <a:r>
+                <a:rPr lang="en-US" sz="1800" b="1" dirty="0" smtClean="0"/>
+                <a:t>measurement</a:t>
+              </a:r>
+              <a:endParaRPr lang="en-US" sz="1800" b="1" dirty="0"/>
+            </a:p>
+          </p:txBody>
+        </p:sp>
+        <p:sp>
+          <p:nvSpPr>
+            <p:cNvPr id="271" name="TextBox 270"/>
+            <p:cNvSpPr txBox="1"/>
+            <p:nvPr/>
+          </p:nvSpPr>
+          <p:spPr>
+            <a:xfrm>
+              <a:off x="26955323" y="25825855"/>
+              <a:ext cx="1592281" cy="369332"/>
+            </a:xfrm>
+            <a:prstGeom prst="rect">
+              <a:avLst/>
+            </a:prstGeom>
             <a:solidFill>
-              <a:schemeClr val="tx1"/>
+              <a:schemeClr val="accent6">
+                <a:lumMod val="20000"/>
+                <a:lumOff val="80000"/>
+              </a:schemeClr>
             </a:solidFill>
-          </a:ln>
-        </p:spPr>
-        <p:txBody>
-          <a:bodyPr wrap="square" rtlCol="0">
-            <a:spAutoFit/>
-          </a:bodyPr>
-          <a:lstStyle/>
-          <a:p>
-            <a:r>
-              <a:rPr lang="en-US" sz="1800" b="1" dirty="0" smtClean="0"/>
-              <a:t>profile (????)</a:t>
-            </a:r>
-            <a:endParaRPr lang="en-US" sz="1800" b="1" dirty="0"/>
-          </a:p>
-        </p:txBody>
-      </p:sp>
+            <a:ln>
+              <a:solidFill>
+                <a:schemeClr val="tx1"/>
+              </a:solidFill>
+            </a:ln>
+          </p:spPr>
+          <p:txBody>
+            <a:bodyPr wrap="square" rtlCol="0">
+              <a:spAutoFit/>
+            </a:bodyPr>
+            <a:lstStyle/>
+            <a:p>
+              <a:r>
+                <a:rPr lang="en-US" sz="1800" b="1" dirty="0" smtClean="0"/>
+                <a:t>profile (????)</a:t>
+              </a:r>
+              <a:endParaRPr lang="en-US" sz="1800" b="1" dirty="0"/>
+            </a:p>
+          </p:txBody>
+        </p:sp>
+      </p:grpSp>
       <p:sp>
         <p:nvSpPr>
           <p:cNvPr id="272" name="TextBox 271"/>
@@ -8930,6 +8845,311 @@
           </a:p>
         </p:txBody>
       </p:sp>
+      <p:sp>
+        <p:nvSpPr>
+          <p:cNvPr id="25" name="TextBox 24"/>
+          <p:cNvSpPr txBox="1"/>
+          <p:nvPr/>
+        </p:nvSpPr>
+        <p:spPr>
+          <a:xfrm>
+            <a:off x="11465293" y="20274926"/>
+            <a:ext cx="3595080" cy="1354217"/>
+          </a:xfrm>
+          <a:prstGeom prst="rect">
+            <a:avLst/>
+          </a:prstGeom>
+          <a:noFill/>
+        </p:spPr>
+        <p:txBody>
+          <a:bodyPr wrap="none" rtlCol="0">
+            <a:spAutoFit/>
+          </a:bodyPr>
+          <a:lstStyle/>
+          <a:p>
+            <a:r>
+              <a:rPr lang="en-US" dirty="0" smtClean="0"/>
+              <a:t>Lantana </a:t>
+            </a:r>
+            <a:endParaRPr lang="en-US" dirty="0"/>
+          </a:p>
+        </p:txBody>
+      </p:sp>
+      <p:pic>
+        <p:nvPicPr>
+          <p:cNvPr id="274" name="Picture 273" descr="Screenshot 2019-07-22 at 11.43.20.png"/>
+          <p:cNvPicPr>
+            <a:picLocks noChangeAspect="1"/>
+          </p:cNvPicPr>
+          <p:nvPr/>
+        </p:nvPicPr>
+        <p:blipFill>
+          <a:blip r:embed="rId4">
+            <a:extLst>
+              <a:ext uri="{28A0092B-C50C-407E-A947-70E740481C1C}">
+                <a14:useLocalDpi xmlns:a14="http://schemas.microsoft.com/office/drawing/2010/main" val="0"/>
+              </a:ext>
+            </a:extLst>
+          </a:blip>
+          <a:stretch>
+            <a:fillRect/>
+          </a:stretch>
+        </p:blipFill>
+        <p:spPr>
+          <a:xfrm>
+            <a:off x="27917496" y="14245933"/>
+            <a:ext cx="321563" cy="293417"/>
+          </a:xfrm>
+          <a:prstGeom prst="rect">
+            <a:avLst/>
+          </a:prstGeom>
+        </p:spPr>
+      </p:pic>
+      <p:pic>
+        <p:nvPicPr>
+          <p:cNvPr id="275" name="Picture 274" descr="Screenshot 2019-07-22 at 11.43.20.png"/>
+          <p:cNvPicPr>
+            <a:picLocks noChangeAspect="1"/>
+          </p:cNvPicPr>
+          <p:nvPr/>
+        </p:nvPicPr>
+        <p:blipFill>
+          <a:blip r:embed="rId4">
+            <a:extLst>
+              <a:ext uri="{28A0092B-C50C-407E-A947-70E740481C1C}">
+                <a14:useLocalDpi xmlns:a14="http://schemas.microsoft.com/office/drawing/2010/main" val="0"/>
+              </a:ext>
+            </a:extLst>
+          </a:blip>
+          <a:stretch>
+            <a:fillRect/>
+          </a:stretch>
+        </p:blipFill>
+        <p:spPr>
+          <a:xfrm>
+            <a:off x="27348901" y="17189506"/>
+            <a:ext cx="321563" cy="293417"/>
+          </a:xfrm>
+          <a:prstGeom prst="rect">
+            <a:avLst/>
+          </a:prstGeom>
+        </p:spPr>
+      </p:pic>
+      <p:pic>
+        <p:nvPicPr>
+          <p:cNvPr id="39" name="Picture 38"/>
+          <p:cNvPicPr>
+            <a:picLocks noChangeAspect="1"/>
+          </p:cNvPicPr>
+          <p:nvPr/>
+        </p:nvPicPr>
+        <p:blipFill>
+          <a:blip r:embed="rId16"/>
+          <a:stretch>
+            <a:fillRect/>
+          </a:stretch>
+        </p:blipFill>
+        <p:spPr>
+          <a:xfrm>
+            <a:off x="8077229" y="21052784"/>
+            <a:ext cx="1309956" cy="1152718"/>
+          </a:xfrm>
+          <a:prstGeom prst="rect">
+            <a:avLst/>
+          </a:prstGeom>
+          <a:solidFill>
+            <a:srgbClr val="FFFFFF"/>
+          </a:solidFill>
+        </p:spPr>
+      </p:pic>
+      <p:pic>
+        <p:nvPicPr>
+          <p:cNvPr id="40" name="Picture 39"/>
+          <p:cNvPicPr>
+            <a:picLocks noChangeAspect="1"/>
+          </p:cNvPicPr>
+          <p:nvPr/>
+        </p:nvPicPr>
+        <p:blipFill>
+          <a:blip r:embed="rId17"/>
+          <a:stretch>
+            <a:fillRect/>
+          </a:stretch>
+        </p:blipFill>
+        <p:spPr>
+          <a:xfrm>
+            <a:off x="6263438" y="20274926"/>
+            <a:ext cx="1592964" cy="1800796"/>
+          </a:xfrm>
+          <a:prstGeom prst="rect">
+            <a:avLst/>
+          </a:prstGeom>
+          <a:solidFill>
+            <a:srgbClr val="FFFFFF"/>
+          </a:solidFill>
+        </p:spPr>
+      </p:pic>
+      <p:sp>
+        <p:nvSpPr>
+          <p:cNvPr id="276" name="TextBox 275"/>
+          <p:cNvSpPr txBox="1"/>
+          <p:nvPr/>
+        </p:nvSpPr>
+        <p:spPr>
+          <a:xfrm>
+            <a:off x="20537584" y="27740734"/>
+            <a:ext cx="184666" cy="1354217"/>
+          </a:xfrm>
+          <a:prstGeom prst="rect">
+            <a:avLst/>
+          </a:prstGeom>
+          <a:noFill/>
+        </p:spPr>
+        <p:txBody>
+          <a:bodyPr wrap="none" rtlCol="0">
+            <a:spAutoFit/>
+          </a:bodyPr>
+          <a:lstStyle/>
+          <a:p>
+            <a:endParaRPr lang="en-US" dirty="0"/>
+          </a:p>
+        </p:txBody>
+      </p:sp>
+      <p:pic>
+        <p:nvPicPr>
+          <p:cNvPr id="41" name="Picture 40"/>
+          <p:cNvPicPr>
+            <a:picLocks noChangeAspect="1"/>
+          </p:cNvPicPr>
+          <p:nvPr/>
+        </p:nvPicPr>
+        <p:blipFill>
+          <a:blip r:embed="rId18"/>
+          <a:stretch>
+            <a:fillRect/>
+          </a:stretch>
+        </p:blipFill>
+        <p:spPr>
+          <a:xfrm>
+            <a:off x="5489401" y="21051097"/>
+            <a:ext cx="923302" cy="1523449"/>
+          </a:xfrm>
+          <a:prstGeom prst="rect">
+            <a:avLst/>
+          </a:prstGeom>
+          <a:solidFill>
+            <a:srgbClr val="FFFFFF"/>
+          </a:solidFill>
+        </p:spPr>
+      </p:pic>
+      <p:pic>
+        <p:nvPicPr>
+          <p:cNvPr id="43" name="Picture 42"/>
+          <p:cNvPicPr>
+            <a:picLocks noChangeAspect="1"/>
+          </p:cNvPicPr>
+          <p:nvPr/>
+        </p:nvPicPr>
+        <p:blipFill>
+          <a:blip r:embed="rId19"/>
+          <a:stretch>
+            <a:fillRect/>
+          </a:stretch>
+        </p:blipFill>
+        <p:spPr>
+          <a:xfrm>
+            <a:off x="4365578" y="21880744"/>
+            <a:ext cx="521350" cy="1329443"/>
+          </a:xfrm>
+          <a:prstGeom prst="rect">
+            <a:avLst/>
+          </a:prstGeom>
+          <a:solidFill>
+            <a:srgbClr val="FFFFFF"/>
+          </a:solidFill>
+        </p:spPr>
+      </p:pic>
+      <p:pic>
+        <p:nvPicPr>
+          <p:cNvPr id="44" name="Picture 43"/>
+          <p:cNvPicPr>
+            <a:picLocks noChangeAspect="1"/>
+          </p:cNvPicPr>
+          <p:nvPr/>
+        </p:nvPicPr>
+        <p:blipFill>
+          <a:blip r:embed="rId20"/>
+          <a:stretch>
+            <a:fillRect/>
+          </a:stretch>
+        </p:blipFill>
+        <p:spPr>
+          <a:xfrm>
+            <a:off x="3601747" y="23417980"/>
+            <a:ext cx="716489" cy="1504627"/>
+          </a:xfrm>
+          <a:prstGeom prst="rect">
+            <a:avLst/>
+          </a:prstGeom>
+          <a:solidFill>
+            <a:srgbClr val="FFFFFF"/>
+          </a:solidFill>
+        </p:spPr>
+      </p:pic>
+      <p:pic>
+        <p:nvPicPr>
+          <p:cNvPr id="45" name="Picture 44"/>
+          <p:cNvPicPr>
+            <a:picLocks noChangeAspect="1"/>
+          </p:cNvPicPr>
+          <p:nvPr/>
+        </p:nvPicPr>
+        <p:blipFill>
+          <a:blip r:embed="rId21"/>
+          <a:stretch>
+            <a:fillRect/>
+          </a:stretch>
+        </p:blipFill>
+        <p:spPr>
+          <a:xfrm>
+            <a:off x="3398026" y="24986904"/>
+            <a:ext cx="1034444" cy="859529"/>
+          </a:xfrm>
+          <a:prstGeom prst="rect">
+            <a:avLst/>
+          </a:prstGeom>
+          <a:solidFill>
+            <a:srgbClr val="FFFFFF"/>
+          </a:solidFill>
+        </p:spPr>
+      </p:pic>
+      <p:pic>
+        <p:nvPicPr>
+          <p:cNvPr id="47" name="Picture 46"/>
+          <p:cNvPicPr>
+            <a:picLocks noChangeAspect="1"/>
+          </p:cNvPicPr>
+          <p:nvPr/>
+        </p:nvPicPr>
+        <p:blipFill>
+          <a:blip r:embed="rId22"/>
+          <a:stretch>
+            <a:fillRect/>
+          </a:stretch>
+        </p:blipFill>
+        <p:spPr>
+          <a:xfrm rot="3459588">
+            <a:off x="3564639" y="26490449"/>
+            <a:ext cx="1601876" cy="503983"/>
+          </a:xfrm>
+          <a:prstGeom prst="rect">
+            <a:avLst/>
+          </a:prstGeom>
+          <a:solidFill>
+            <a:srgbClr val="FFFFFF"/>
+          </a:solidFill>
+        </p:spPr>
+      </p:pic>
     </p:spTree>
     <p:extLst>
       <p:ext uri="{BB962C8B-B14F-4D97-AF65-F5344CB8AC3E}">

--- a/a0draft.pptx
+++ b/a0draft.pptx
@@ -8055,502 +8055,6 @@
           </p:txBody>
         </p:sp>
       </p:grpSp>
-      <p:sp>
-        <p:nvSpPr>
-          <p:cNvPr id="209" name="Text Box 29"/>
-          <p:cNvSpPr txBox="1"/>
-          <p:nvPr/>
-        </p:nvSpPr>
-        <p:spPr>
-          <a:xfrm>
-            <a:off x="35052635" y="11798300"/>
-            <a:ext cx="6317615" cy="1198880"/>
-          </a:xfrm>
-          <a:prstGeom prst="rect">
-            <a:avLst/>
-          </a:prstGeom>
-          <a:noFill/>
-          <a:ln w="9525">
-            <a:noFill/>
-          </a:ln>
-        </p:spPr>
-        <p:txBody>
-          <a:bodyPr wrap="square" anchor="t">
-            <a:spAutoFit/>
-          </a:bodyPr>
-          <a:lstStyle/>
-          <a:p>
-            <a:pPr algn="ctr"/>
-            <a:r>
-              <a:rPr lang="en-IN" altLang="en-US" sz="3600" dirty="0" smtClean="0">
-                <a:latin typeface="Arial" panose="020B0604020202020204" pitchFamily="34" charset="0"/>
-              </a:rPr>
-              <a:t>GC/MS Instrument – Agilent Technologies </a:t>
-            </a:r>
-            <a:r>
-              <a:rPr lang="en-IN" altLang="en-US" sz="3600" baseline="30000" dirty="0" smtClean="0">
-                <a:latin typeface="Arial" panose="020B0604020202020204" pitchFamily="34" charset="0"/>
-              </a:rPr>
-              <a:t>[3]</a:t>
-            </a:r>
-          </a:p>
-        </p:txBody>
-      </p:sp>
-      <p:pic>
-        <p:nvPicPr>
-          <p:cNvPr id="210" name="Picture 27"/>
-          <p:cNvPicPr>
-            <a:picLocks noChangeAspect="1"/>
-          </p:cNvPicPr>
-          <p:nvPr/>
-        </p:nvPicPr>
-        <p:blipFill>
-          <a:blip r:embed="rId14"/>
-          <a:stretch>
-            <a:fillRect/>
-          </a:stretch>
-        </p:blipFill>
-        <p:spPr>
-          <a:xfrm>
-            <a:off x="35259645" y="8901430"/>
-            <a:ext cx="3416688" cy="2520019"/>
-          </a:xfrm>
-          <a:prstGeom prst="rect">
-            <a:avLst/>
-          </a:prstGeom>
-          <a:noFill/>
-          <a:ln w="38100">
-            <a:solidFill>
-              <a:schemeClr val="tx1"/>
-            </a:solidFill>
-          </a:ln>
-        </p:spPr>
-      </p:pic>
-      <p:sp>
-        <p:nvSpPr>
-          <p:cNvPr id="211" name="TextBox 210"/>
-          <p:cNvSpPr txBox="1"/>
-          <p:nvPr/>
-        </p:nvSpPr>
-        <p:spPr>
-          <a:xfrm>
-            <a:off x="37625020" y="3570605"/>
-            <a:ext cx="4832985" cy="3835393"/>
-          </a:xfrm>
-          <a:prstGeom prst="snip2DiagRect">
-            <a:avLst/>
-          </a:prstGeom>
-          <a:gradFill>
-            <a:gsLst>
-              <a:gs pos="0">
-                <a:schemeClr val="accent4">
-                  <a:lumMod val="0"/>
-                  <a:lumOff val="100000"/>
-                </a:schemeClr>
-              </a:gs>
-              <a:gs pos="35000">
-                <a:schemeClr val="accent4">
-                  <a:lumMod val="0"/>
-                  <a:lumOff val="100000"/>
-                </a:schemeClr>
-              </a:gs>
-              <a:gs pos="100000">
-                <a:schemeClr val="accent4">
-                  <a:lumMod val="100000"/>
-                </a:schemeClr>
-              </a:gs>
-            </a:gsLst>
-            <a:path path="circle">
-              <a:fillToRect l="50000" t="-80000" r="50000" b="180000"/>
-            </a:path>
-          </a:gradFill>
-          <a:ln>
-            <a:solidFill>
-              <a:schemeClr val="tx1"/>
-            </a:solidFill>
-          </a:ln>
-          <a:effectLst>
-            <a:glow rad="228600">
-              <a:schemeClr val="accent4">
-                <a:satMod val="175000"/>
-                <a:alpha val="40000"/>
-              </a:schemeClr>
-            </a:glow>
-          </a:effectLst>
-        </p:spPr>
-        <p:txBody>
-          <a:bodyPr wrap="square" rtlCol="0">
-            <a:spAutoFit/>
-          </a:bodyPr>
-          <a:lstStyle/>
-          <a:p>
-            <a:r>
-              <a:rPr lang="en-US" sz="3400" b="1" u="sng" smtClean="0">
-                <a:latin typeface="Times New Roman" panose="02020603050405020304" charset="0"/>
-                <a:ea typeface="Arial" panose="020B0604020202020204" pitchFamily="34" charset="0"/>
-                <a:cs typeface="Times New Roman" panose="02020603050405020304" charset="0"/>
-              </a:rPr>
-              <a:t>Benefits:</a:t>
-            </a:r>
-            <a:endParaRPr lang="en-US" sz="2400" b="1" smtClean="0">
-              <a:latin typeface="Times New Roman" panose="02020603050405020304" charset="0"/>
-              <a:ea typeface="Arial" panose="020B0604020202020204" pitchFamily="34" charset="0"/>
-              <a:cs typeface="Times New Roman" panose="02020603050405020304" charset="0"/>
-            </a:endParaRPr>
-          </a:p>
-          <a:p>
-            <a:pPr marL="342900" indent="-342900">
-              <a:buFont typeface="Wingdings" panose="05000000000000000000" charset="0"/>
-              <a:buChar char="v"/>
-            </a:pPr>
-            <a:r>
-              <a:rPr lang="en-US" sz="2800">
-                <a:latin typeface="Times New Roman" panose="02020603050405020304" charset="0"/>
-                <a:ea typeface="Arial" panose="020B0604020202020204" pitchFamily="34" charset="0"/>
-                <a:cs typeface="Times New Roman" panose="02020603050405020304" charset="0"/>
-              </a:rPr>
-              <a:t>Potential preventive and therapeutic  agents in pharmacology.</a:t>
-            </a:r>
-          </a:p>
-          <a:p>
-            <a:pPr marL="342900" indent="-342900">
-              <a:buFont typeface="Wingdings" panose="05000000000000000000" charset="0"/>
-              <a:buChar char="v"/>
-            </a:pPr>
-            <a:r>
-              <a:rPr lang="en-US" sz="2800">
-                <a:latin typeface="Times New Roman" panose="02020603050405020304" charset="0"/>
-                <a:ea typeface="Arial" panose="020B0604020202020204" pitchFamily="34" charset="0"/>
-                <a:cs typeface="Times New Roman" panose="02020603050405020304" charset="0"/>
-              </a:rPr>
-              <a:t>In aroma-therapy, for transdermal delivery of medicines.</a:t>
-            </a:r>
-          </a:p>
-        </p:txBody>
-      </p:sp>
-      <p:pic>
-        <p:nvPicPr>
-          <p:cNvPr id="212" name="Picture 24"/>
-          <p:cNvPicPr>
-            <a:picLocks noChangeAspect="1"/>
-          </p:cNvPicPr>
-          <p:nvPr/>
-        </p:nvPicPr>
-        <p:blipFill>
-          <a:blip r:embed="rId15"/>
-          <a:srcRect l="51884" t="27831" r="17282" b="1047"/>
-          <a:stretch>
-            <a:fillRect/>
-          </a:stretch>
-        </p:blipFill>
-        <p:spPr>
-          <a:xfrm>
-            <a:off x="35052635" y="3638550"/>
-            <a:ext cx="2195195" cy="3961130"/>
-          </a:xfrm>
-          <a:prstGeom prst="rect">
-            <a:avLst/>
-          </a:prstGeom>
-          <a:noFill/>
-          <a:ln w="76200">
-            <a:solidFill>
-              <a:schemeClr val="tx1"/>
-            </a:solidFill>
-          </a:ln>
-        </p:spPr>
-      </p:pic>
-      <p:sp>
-        <p:nvSpPr>
-          <p:cNvPr id="213" name="Text Box 36"/>
-          <p:cNvSpPr txBox="1"/>
-          <p:nvPr/>
-        </p:nvSpPr>
-        <p:spPr>
-          <a:xfrm>
-            <a:off x="34478595" y="7599680"/>
-            <a:ext cx="5337175" cy="645160"/>
-          </a:xfrm>
-          <a:prstGeom prst="rect">
-            <a:avLst/>
-          </a:prstGeom>
-          <a:noFill/>
-        </p:spPr>
-        <p:txBody>
-          <a:bodyPr wrap="square" rtlCol="0">
-            <a:spAutoFit/>
-          </a:bodyPr>
-          <a:lstStyle/>
-          <a:p>
-            <a:r>
-              <a:rPr lang="en-US" sz="3600"/>
-              <a:t>Lantana </a:t>
-            </a:r>
-            <a:r>
-              <a:rPr lang="en-US" sz="3600">
-                <a:latin typeface="Arial" panose="020B0604020202020204" pitchFamily="34" charset="0"/>
-                <a:cs typeface="Arial" panose="020B0604020202020204" pitchFamily="34" charset="0"/>
-              </a:rPr>
-              <a:t>Essential </a:t>
-            </a:r>
-            <a:r>
-              <a:rPr lang="en-US" sz="3600"/>
-              <a:t>Oil </a:t>
-            </a:r>
-            <a:r>
-              <a:rPr lang="en-US" sz="3600" baseline="30000"/>
-              <a:t>[4]</a:t>
-            </a:r>
-          </a:p>
-        </p:txBody>
-      </p:sp>
-      <p:sp>
-        <p:nvSpPr>
-          <p:cNvPr id="260" name="Text Box 29"/>
-          <p:cNvSpPr txBox="1"/>
-          <p:nvPr/>
-        </p:nvSpPr>
-        <p:spPr>
-          <a:xfrm>
-            <a:off x="35205035" y="11950700"/>
-            <a:ext cx="6317615" cy="1198880"/>
-          </a:xfrm>
-          <a:prstGeom prst="rect">
-            <a:avLst/>
-          </a:prstGeom>
-          <a:noFill/>
-          <a:ln w="9525">
-            <a:noFill/>
-          </a:ln>
-        </p:spPr>
-        <p:txBody>
-          <a:bodyPr wrap="square" anchor="t">
-            <a:spAutoFit/>
-          </a:bodyPr>
-          <a:lstStyle/>
-          <a:p>
-            <a:pPr algn="ctr"/>
-            <a:r>
-              <a:rPr lang="en-IN" altLang="en-US" sz="3600" dirty="0" smtClean="0">
-                <a:latin typeface="Arial" panose="020B0604020202020204" pitchFamily="34" charset="0"/>
-              </a:rPr>
-              <a:t>GC/MS Instrument – Agilent Technologies </a:t>
-            </a:r>
-            <a:r>
-              <a:rPr lang="en-IN" altLang="en-US" sz="3600" baseline="30000" dirty="0" smtClean="0">
-                <a:latin typeface="Arial" panose="020B0604020202020204" pitchFamily="34" charset="0"/>
-              </a:rPr>
-              <a:t>[3]</a:t>
-            </a:r>
-          </a:p>
-        </p:txBody>
-      </p:sp>
-      <p:pic>
-        <p:nvPicPr>
-          <p:cNvPr id="261" name="Picture 27"/>
-          <p:cNvPicPr>
-            <a:picLocks noChangeAspect="1"/>
-          </p:cNvPicPr>
-          <p:nvPr/>
-        </p:nvPicPr>
-        <p:blipFill>
-          <a:blip r:embed="rId14"/>
-          <a:stretch>
-            <a:fillRect/>
-          </a:stretch>
-        </p:blipFill>
-        <p:spPr>
-          <a:xfrm>
-            <a:off x="35412045" y="9053830"/>
-            <a:ext cx="3416688" cy="2520019"/>
-          </a:xfrm>
-          <a:prstGeom prst="rect">
-            <a:avLst/>
-          </a:prstGeom>
-          <a:noFill/>
-          <a:ln w="38100">
-            <a:solidFill>
-              <a:schemeClr val="tx1"/>
-            </a:solidFill>
-          </a:ln>
-        </p:spPr>
-      </p:pic>
-      <p:sp>
-        <p:nvSpPr>
-          <p:cNvPr id="262" name="TextBox 261"/>
-          <p:cNvSpPr txBox="1"/>
-          <p:nvPr/>
-        </p:nvSpPr>
-        <p:spPr>
-          <a:xfrm>
-            <a:off x="37777420" y="3723005"/>
-            <a:ext cx="4832985" cy="3835393"/>
-          </a:xfrm>
-          <a:prstGeom prst="snip2DiagRect">
-            <a:avLst/>
-          </a:prstGeom>
-          <a:gradFill>
-            <a:gsLst>
-              <a:gs pos="0">
-                <a:schemeClr val="accent4">
-                  <a:lumMod val="0"/>
-                  <a:lumOff val="100000"/>
-                </a:schemeClr>
-              </a:gs>
-              <a:gs pos="35000">
-                <a:schemeClr val="accent4">
-                  <a:lumMod val="0"/>
-                  <a:lumOff val="100000"/>
-                </a:schemeClr>
-              </a:gs>
-              <a:gs pos="100000">
-                <a:schemeClr val="accent4">
-                  <a:lumMod val="100000"/>
-                </a:schemeClr>
-              </a:gs>
-            </a:gsLst>
-            <a:path path="circle">
-              <a:fillToRect l="50000" t="-80000" r="50000" b="180000"/>
-            </a:path>
-          </a:gradFill>
-          <a:ln>
-            <a:solidFill>
-              <a:schemeClr val="tx1"/>
-            </a:solidFill>
-          </a:ln>
-          <a:effectLst>
-            <a:glow rad="228600">
-              <a:schemeClr val="accent4">
-                <a:satMod val="175000"/>
-                <a:alpha val="40000"/>
-              </a:schemeClr>
-            </a:glow>
-          </a:effectLst>
-        </p:spPr>
-        <p:txBody>
-          <a:bodyPr wrap="square" rtlCol="0">
-            <a:spAutoFit/>
-          </a:bodyPr>
-          <a:lstStyle/>
-          <a:p>
-            <a:r>
-              <a:rPr lang="en-US" sz="3400" b="1" u="sng" smtClean="0">
-                <a:latin typeface="Times New Roman" panose="02020603050405020304" charset="0"/>
-                <a:ea typeface="Arial" panose="020B0604020202020204" pitchFamily="34" charset="0"/>
-                <a:cs typeface="Times New Roman" panose="02020603050405020304" charset="0"/>
-              </a:rPr>
-              <a:t>Benefits:</a:t>
-            </a:r>
-            <a:endParaRPr lang="en-US" sz="2400" b="1" smtClean="0">
-              <a:latin typeface="Times New Roman" panose="02020603050405020304" charset="0"/>
-              <a:ea typeface="Arial" panose="020B0604020202020204" pitchFamily="34" charset="0"/>
-              <a:cs typeface="Times New Roman" panose="02020603050405020304" charset="0"/>
-            </a:endParaRPr>
-          </a:p>
-          <a:p>
-            <a:pPr marL="342900" indent="-342900">
-              <a:buFont typeface="Wingdings" panose="05000000000000000000" charset="0"/>
-              <a:buChar char="v"/>
-            </a:pPr>
-            <a:r>
-              <a:rPr lang="en-US" sz="2800">
-                <a:latin typeface="Times New Roman" panose="02020603050405020304" charset="0"/>
-                <a:ea typeface="Arial" panose="020B0604020202020204" pitchFamily="34" charset="0"/>
-                <a:cs typeface="Times New Roman" panose="02020603050405020304" charset="0"/>
-              </a:rPr>
-              <a:t>Potential preventive and therapeutic  agents in pharmacology.</a:t>
-            </a:r>
-          </a:p>
-          <a:p>
-            <a:pPr marL="342900" indent="-342900">
-              <a:buFont typeface="Wingdings" panose="05000000000000000000" charset="0"/>
-              <a:buChar char="v"/>
-            </a:pPr>
-            <a:r>
-              <a:rPr lang="en-US" sz="2800">
-                <a:latin typeface="Times New Roman" panose="02020603050405020304" charset="0"/>
-                <a:ea typeface="Arial" panose="020B0604020202020204" pitchFamily="34" charset="0"/>
-                <a:cs typeface="Times New Roman" panose="02020603050405020304" charset="0"/>
-              </a:rPr>
-              <a:t>In aroma-therapy, for transdermal delivery of medicines.</a:t>
-            </a:r>
-          </a:p>
-        </p:txBody>
-      </p:sp>
-      <p:pic>
-        <p:nvPicPr>
-          <p:cNvPr id="263" name="Picture 24"/>
-          <p:cNvPicPr>
-            <a:picLocks noChangeAspect="1"/>
-          </p:cNvPicPr>
-          <p:nvPr/>
-        </p:nvPicPr>
-        <p:blipFill>
-          <a:blip r:embed="rId15"/>
-          <a:srcRect l="51884" t="27831" r="17282" b="1047"/>
-          <a:stretch>
-            <a:fillRect/>
-          </a:stretch>
-        </p:blipFill>
-        <p:spPr>
-          <a:xfrm>
-            <a:off x="35205035" y="3790950"/>
-            <a:ext cx="2195195" cy="3961130"/>
-          </a:xfrm>
-          <a:prstGeom prst="rect">
-            <a:avLst/>
-          </a:prstGeom>
-          <a:noFill/>
-          <a:ln w="76200">
-            <a:solidFill>
-              <a:schemeClr val="tx1"/>
-            </a:solidFill>
-          </a:ln>
-        </p:spPr>
-      </p:pic>
-      <p:sp>
-        <p:nvSpPr>
-          <p:cNvPr id="264" name="Text Box 36"/>
-          <p:cNvSpPr txBox="1"/>
-          <p:nvPr/>
-        </p:nvSpPr>
-        <p:spPr>
-          <a:xfrm>
-            <a:off x="34630995" y="7752080"/>
-            <a:ext cx="5337175" cy="645160"/>
-          </a:xfrm>
-          <a:prstGeom prst="rect">
-            <a:avLst/>
-          </a:prstGeom>
-          <a:noFill/>
-        </p:spPr>
-        <p:txBody>
-          <a:bodyPr wrap="square" rtlCol="0">
-            <a:spAutoFit/>
-          </a:bodyPr>
-          <a:lstStyle/>
-          <a:p>
-            <a:r>
-              <a:rPr lang="en-US" sz="3600"/>
-              <a:t>Lantana </a:t>
-            </a:r>
-            <a:r>
-              <a:rPr lang="en-US" sz="3600">
-                <a:latin typeface="Arial" panose="020B0604020202020204" pitchFamily="34" charset="0"/>
-                <a:cs typeface="Arial" panose="020B0604020202020204" pitchFamily="34" charset="0"/>
-              </a:rPr>
-              <a:t>Essential </a:t>
-            </a:r>
-            <a:r>
-              <a:rPr lang="en-US" sz="3600"/>
-              <a:t>Oil </a:t>
-            </a:r>
-            <a:r>
-              <a:rPr lang="en-US" sz="3600" baseline="30000"/>
-              <a:t>[4]</a:t>
-            </a:r>
-          </a:p>
-        </p:txBody>
-      </p:sp>
       <p:pic>
         <p:nvPicPr>
           <p:cNvPr id="265" name="Picture 264"/>
@@ -8560,7 +8064,7 @@
           <p:nvPr/>
         </p:nvPicPr>
         <p:blipFill>
-          <a:blip r:embed="rId15"/>
+          <a:blip r:embed="rId14"/>
           <a:srcRect l="51884" t="27831" r="17282" b="1047"/>
           <a:stretch>
             <a:fillRect/>
@@ -8663,7 +8167,7 @@
             <p:nvPr/>
           </p:nvPicPr>
           <p:blipFill>
-            <a:blip r:embed="rId14"/>
+            <a:blip r:embed="rId15"/>
             <a:stretch>
               <a:fillRect/>
             </a:stretch>

--- a/a0draft.pptx
+++ b/a0draft.pptx
@@ -7884,7 +7884,7 @@
       </p:sp>
       <p:pic>
         <p:nvPicPr>
-          <p:cNvPr id="12" name="Picture 11" descr="Screenshot 2019-07-22 at 22.46.49.png"/>
+          <p:cNvPr id="14" name="Picture 13" descr="Screenshot 2019-07-22 at 22.56.03.png"/>
           <p:cNvPicPr>
             <a:picLocks noChangeAspect="1"/>
           </p:cNvPicPr>
@@ -7892,66 +7892,6 @@
         </p:nvPicPr>
         <p:blipFill>
           <a:blip r:embed="rId10">
-            <a:extLst>
-              <a:ext uri="{28A0092B-C50C-407E-A947-70E740481C1C}">
-                <a14:useLocalDpi xmlns:a14="http://schemas.microsoft.com/office/drawing/2010/main" val="0"/>
-              </a:ext>
-            </a:extLst>
-          </a:blip>
-          <a:stretch>
-            <a:fillRect/>
-          </a:stretch>
-        </p:blipFill>
-        <p:spPr>
-          <a:xfrm>
-            <a:off x="3377772" y="29451572"/>
-            <a:ext cx="15836900" cy="5892800"/>
-          </a:xfrm>
-          <a:prstGeom prst="rect">
-            <a:avLst/>
-          </a:prstGeom>
-        </p:spPr>
-      </p:pic>
-      <p:pic>
-        <p:nvPicPr>
-          <p:cNvPr id="13" name="Picture 12" descr="Screenshot 2019-07-22 at 22.51.59.png"/>
-          <p:cNvPicPr>
-            <a:picLocks noChangeAspect="1"/>
-          </p:cNvPicPr>
-          <p:nvPr/>
-        </p:nvPicPr>
-        <p:blipFill>
-          <a:blip r:embed="rId11">
-            <a:extLst>
-              <a:ext uri="{28A0092B-C50C-407E-A947-70E740481C1C}">
-                <a14:useLocalDpi xmlns:a14="http://schemas.microsoft.com/office/drawing/2010/main" val="0"/>
-              </a:ext>
-            </a:extLst>
-          </a:blip>
-          <a:stretch>
-            <a:fillRect/>
-          </a:stretch>
-        </p:blipFill>
-        <p:spPr>
-          <a:xfrm>
-            <a:off x="13486693" y="28410437"/>
-            <a:ext cx="7099300" cy="8242300"/>
-          </a:xfrm>
-          <a:prstGeom prst="rect">
-            <a:avLst/>
-          </a:prstGeom>
-        </p:spPr>
-      </p:pic>
-      <p:pic>
-        <p:nvPicPr>
-          <p:cNvPr id="14" name="Picture 13" descr="Screenshot 2019-07-22 at 22.56.03.png"/>
-          <p:cNvPicPr>
-            <a:picLocks noChangeAspect="1"/>
-          </p:cNvPicPr>
-          <p:nvPr/>
-        </p:nvPicPr>
-        <p:blipFill>
-          <a:blip r:embed="rId12">
             <a:extLst>
               <a:ext uri="{28A0092B-C50C-407E-A947-70E740481C1C}">
                 <a14:useLocalDpi xmlns:a14="http://schemas.microsoft.com/office/drawing/2010/main" val="0"/>
@@ -7995,7 +7935,7 @@
             <p:nvPr/>
           </p:nvPicPr>
           <p:blipFill>
-            <a:blip r:embed="rId13"/>
+            <a:blip r:embed="rId11"/>
             <a:stretch>
               <a:fillRect/>
             </a:stretch>
@@ -8064,7 +8004,7 @@
           <p:nvPr/>
         </p:nvPicPr>
         <p:blipFill>
-          <a:blip r:embed="rId14"/>
+          <a:blip r:embed="rId12"/>
           <a:srcRect l="51884" t="27831" r="17282" b="1047"/>
           <a:stretch>
             <a:fillRect/>
@@ -8167,7 +8107,7 @@
             <p:nvPr/>
           </p:nvPicPr>
           <p:blipFill>
-            <a:blip r:embed="rId15"/>
+            <a:blip r:embed="rId13"/>
             <a:stretch>
               <a:fillRect/>
             </a:stretch>
@@ -8303,7 +8243,7 @@
           <a:p>
             <a:r>
               <a:rPr lang="en-US" sz="1800" b="1" dirty="0" err="1" smtClean="0"/>
-              <a:t>Wikipathways</a:t>
+              <a:t>Wikipatways</a:t>
             </a:r>
             <a:endParaRPr lang="en-US" sz="1800" b="1" dirty="0"/>
           </a:p>
@@ -8448,7 +8388,7 @@
           <p:nvPr/>
         </p:nvPicPr>
         <p:blipFill>
-          <a:blip r:embed="rId16"/>
+          <a:blip r:embed="rId14"/>
           <a:stretch>
             <a:fillRect/>
           </a:stretch>
@@ -8475,7 +8415,7 @@
           <p:nvPr/>
         </p:nvPicPr>
         <p:blipFill>
-          <a:blip r:embed="rId17"/>
+          <a:blip r:embed="rId15"/>
           <a:stretch>
             <a:fillRect/>
           </a:stretch>
@@ -8528,7 +8468,7 @@
           <p:nvPr/>
         </p:nvPicPr>
         <p:blipFill>
-          <a:blip r:embed="rId18"/>
+          <a:blip r:embed="rId16"/>
           <a:stretch>
             <a:fillRect/>
           </a:stretch>
@@ -8555,7 +8495,7 @@
           <p:nvPr/>
         </p:nvPicPr>
         <p:blipFill>
-          <a:blip r:embed="rId19"/>
+          <a:blip r:embed="rId17"/>
           <a:stretch>
             <a:fillRect/>
           </a:stretch>
@@ -8582,7 +8522,7 @@
           <p:nvPr/>
         </p:nvPicPr>
         <p:blipFill>
-          <a:blip r:embed="rId20"/>
+          <a:blip r:embed="rId18"/>
           <a:stretch>
             <a:fillRect/>
           </a:stretch>
@@ -8609,7 +8549,7 @@
           <p:nvPr/>
         </p:nvPicPr>
         <p:blipFill>
-          <a:blip r:embed="rId21"/>
+          <a:blip r:embed="rId19"/>
           <a:stretch>
             <a:fillRect/>
           </a:stretch>
@@ -8636,7 +8576,7 @@
           <p:nvPr/>
         </p:nvPicPr>
         <p:blipFill>
-          <a:blip r:embed="rId22"/>
+          <a:blip r:embed="rId20"/>
           <a:stretch>
             <a:fillRect/>
           </a:stretch>
@@ -8654,6 +8594,134 @@
           </a:solidFill>
         </p:spPr>
       </p:pic>
+      <p:sp>
+        <p:nvSpPr>
+          <p:cNvPr id="53" name="TextBox 52"/>
+          <p:cNvSpPr txBox="1"/>
+          <p:nvPr/>
+        </p:nvSpPr>
+        <p:spPr>
+          <a:xfrm>
+            <a:off x="1474779" y="5554246"/>
+            <a:ext cx="4498870" cy="400110"/>
+          </a:xfrm>
+          <a:prstGeom prst="rect">
+            <a:avLst/>
+          </a:prstGeom>
+          <a:solidFill>
+            <a:srgbClr val="FF0000"/>
+          </a:solidFill>
+        </p:spPr>
+        <p:txBody>
+          <a:bodyPr wrap="square" rtlCol="0">
+            <a:spAutoFit/>
+          </a:bodyPr>
+          <a:lstStyle/>
+          <a:p>
+            <a:r>
+              <a:rPr lang="en-US" sz="2000" dirty="0" smtClean="0"/>
+              <a:t>***ADD HISTORY OF ESSOILDB*** VL</a:t>
+            </a:r>
+            <a:endParaRPr lang="en-US" sz="2000" dirty="0"/>
+          </a:p>
+        </p:txBody>
+      </p:sp>
+      <p:sp>
+        <p:nvSpPr>
+          <p:cNvPr id="304" name="TextBox 303"/>
+          <p:cNvSpPr txBox="1"/>
+          <p:nvPr/>
+        </p:nvSpPr>
+        <p:spPr>
+          <a:xfrm>
+            <a:off x="16661299" y="27868335"/>
+            <a:ext cx="4498870" cy="400110"/>
+          </a:xfrm>
+          <a:prstGeom prst="rect">
+            <a:avLst/>
+          </a:prstGeom>
+          <a:solidFill>
+            <a:srgbClr val="FF0000"/>
+          </a:solidFill>
+        </p:spPr>
+        <p:txBody>
+          <a:bodyPr wrap="square" rtlCol="0">
+            <a:spAutoFit/>
+          </a:bodyPr>
+          <a:lstStyle/>
+          <a:p>
+            <a:r>
+              <a:rPr lang="en-US" sz="2000" dirty="0" smtClean="0"/>
+              <a:t>***ADD PROFILE** VL</a:t>
+            </a:r>
+            <a:endParaRPr lang="en-US" sz="2000" dirty="0"/>
+          </a:p>
+        </p:txBody>
+      </p:sp>
+      <p:sp>
+        <p:nvSpPr>
+          <p:cNvPr id="305" name="TextBox 304"/>
+          <p:cNvSpPr txBox="1"/>
+          <p:nvPr/>
+        </p:nvSpPr>
+        <p:spPr>
+          <a:xfrm>
+            <a:off x="6459717" y="29051462"/>
+            <a:ext cx="4498870" cy="707886"/>
+          </a:xfrm>
+          <a:prstGeom prst="rect">
+            <a:avLst/>
+          </a:prstGeom>
+          <a:solidFill>
+            <a:srgbClr val="FF0000"/>
+          </a:solidFill>
+        </p:spPr>
+        <p:txBody>
+          <a:bodyPr wrap="square" rtlCol="0">
+            <a:spAutoFit/>
+          </a:bodyPr>
+          <a:lstStyle/>
+          <a:p>
+            <a:r>
+              <a:rPr lang="en-US" sz="2000" dirty="0" smtClean="0"/>
+              <a:t>***ADD PLANTS AND LINKS TO WIKIDATA** VL</a:t>
+            </a:r>
+            <a:endParaRPr lang="en-US" sz="2000" dirty="0"/>
+          </a:p>
+        </p:txBody>
+      </p:sp>
+      <p:sp>
+        <p:nvSpPr>
+          <p:cNvPr id="306" name="TextBox 305"/>
+          <p:cNvSpPr txBox="1"/>
+          <p:nvPr/>
+        </p:nvSpPr>
+        <p:spPr>
+          <a:xfrm>
+            <a:off x="7225558" y="34057924"/>
+            <a:ext cx="4498870" cy="400110"/>
+          </a:xfrm>
+          <a:prstGeom prst="rect">
+            <a:avLst/>
+          </a:prstGeom>
+          <a:solidFill>
+            <a:srgbClr val="FF0000"/>
+          </a:solidFill>
+        </p:spPr>
+        <p:txBody>
+          <a:bodyPr wrap="square" rtlCol="0">
+            <a:spAutoFit/>
+          </a:bodyPr>
+          <a:lstStyle/>
+          <a:p>
+            <a:r>
+              <a:rPr lang="en-US" sz="2000" dirty="0" smtClean="0"/>
+              <a:t>***ADD EXAMPLES OF SEARCH ** PMR</a:t>
+            </a:r>
+            <a:endParaRPr lang="en-US" sz="2000" dirty="0"/>
+          </a:p>
+        </p:txBody>
+      </p:sp>
     </p:spTree>
     <p:extLst>
       <p:ext uri="{BB962C8B-B14F-4D97-AF65-F5344CB8AC3E}">

--- a/a0draft.pptx
+++ b/a0draft.pptx
@@ -3484,7 +3484,7 @@
                 <a:noFill/>
                 <a:ln w="28575" cmpd="sng">
                   <a:solidFill>
-                    <a:srgbClr val="0000FF"/>
+                    <a:srgbClr val="FF0000"/>
                   </a:solidFill>
                 </a:ln>
               </p:spPr>
@@ -3532,7 +3532,7 @@
                 <a:noFill/>
                 <a:ln>
                   <a:solidFill>
-                    <a:srgbClr val="0000FF"/>
+                    <a:srgbClr val="FF0000"/>
                   </a:solidFill>
                 </a:ln>
               </p:spPr>
@@ -3545,14 +3545,14 @@
                   <a:r>
                     <a:rPr lang="en-US" sz="2000" b="1" dirty="0" err="1" smtClean="0">
                       <a:solidFill>
-                        <a:srgbClr val="0000FF"/>
+                        <a:srgbClr val="FF0000"/>
                       </a:solidFill>
                     </a:rPr>
                     <a:t>terpene</a:t>
                   </a:r>
                   <a:endParaRPr lang="en-US" sz="2000" b="1" dirty="0">
                     <a:solidFill>
-                      <a:srgbClr val="0000FF"/>
+                      <a:srgbClr val="FF0000"/>
                     </a:solidFill>
                   </a:endParaRPr>
                 </a:p>
@@ -3578,7 +3578,7 @@
               </a:prstGeom>
               <a:ln>
                 <a:solidFill>
-                  <a:srgbClr val="0000FF"/>
+                  <a:srgbClr val="FF0000"/>
                 </a:solidFill>
                 <a:tailEnd type="arrow"/>
               </a:ln>
@@ -4830,53 +4830,181 @@
           </a:p>
         </p:txBody>
       </p:sp>
+      <p:sp>
+        <p:nvSpPr>
+          <p:cNvPr id="109" name="TextBox 108"/>
+          <p:cNvSpPr txBox="1"/>
+          <p:nvPr/>
+        </p:nvSpPr>
+        <p:spPr>
+          <a:xfrm>
+            <a:off x="16703813" y="11614921"/>
+            <a:ext cx="2840860" cy="656379"/>
+          </a:xfrm>
+          <a:prstGeom prst="rect">
+            <a:avLst/>
+          </a:prstGeom>
+          <a:solidFill>
+            <a:schemeClr val="accent6">
+              <a:lumMod val="20000"/>
+              <a:lumOff val="80000"/>
+            </a:schemeClr>
+          </a:solidFill>
+          <a:ln>
+            <a:solidFill>
+              <a:schemeClr val="tx1"/>
+            </a:solidFill>
+          </a:ln>
+        </p:spPr>
+        <p:txBody>
+          <a:bodyPr wrap="square" rtlCol="0">
+            <a:spAutoFit/>
+          </a:bodyPr>
+          <a:lstStyle/>
+          <a:p>
+            <a:r>
+              <a:rPr lang="en-US" sz="1800" b="1" dirty="0" smtClean="0"/>
+              <a:t>Location </a:t>
+            </a:r>
+            <a:r>
+              <a:rPr lang="en-US" sz="1800" i="1" dirty="0" smtClean="0"/>
+              <a:t>(500)</a:t>
+            </a:r>
+            <a:endParaRPr lang="en-US" sz="1800" i="1" dirty="0"/>
+          </a:p>
+        </p:txBody>
+      </p:sp>
+      <p:cxnSp>
+        <p:nvCxnSpPr>
+          <p:cNvPr id="110" name="Elbow Connector 109"/>
+          <p:cNvCxnSpPr>
+            <a:stCxn id="144" idx="1"/>
+            <a:endCxn id="123" idx="3"/>
+          </p:cNvCxnSpPr>
+          <p:nvPr/>
+        </p:nvCxnSpPr>
+        <p:spPr>
+          <a:xfrm rot="10800000" flipV="1">
+            <a:off x="19647612" y="12554184"/>
+            <a:ext cx="763234" cy="1043849"/>
+          </a:xfrm>
+          <a:prstGeom prst="bentConnector3">
+            <a:avLst/>
+          </a:prstGeom>
+          <a:ln>
+            <a:headEnd type="arrow"/>
+            <a:tailEnd type="arrow"/>
+          </a:ln>
+        </p:spPr>
+        <p:style>
+          <a:lnRef idx="2">
+            <a:schemeClr val="accent1"/>
+          </a:lnRef>
+          <a:fillRef idx="0">
+            <a:schemeClr val="accent1"/>
+          </a:fillRef>
+          <a:effectRef idx="1">
+            <a:schemeClr val="accent1"/>
+          </a:effectRef>
+          <a:fontRef idx="minor">
+            <a:schemeClr val="tx1"/>
+          </a:fontRef>
+        </p:style>
+      </p:cxnSp>
       <p:grpSp>
         <p:nvGrpSpPr>
-          <p:cNvPr id="192" name="Group 191"/>
+          <p:cNvPr id="111" name="Group 110"/>
           <p:cNvGrpSpPr/>
           <p:nvPr/>
         </p:nvGrpSpPr>
         <p:grpSpPr>
           <a:xfrm>
-            <a:off x="16111144" y="9933983"/>
-            <a:ext cx="13858602" cy="8350203"/>
-            <a:chOff x="16111144" y="9933983"/>
-            <a:chExt cx="13858602" cy="8350203"/>
-          </a:xfrm>
+            <a:off x="16699703" y="12448024"/>
+            <a:ext cx="2730079" cy="1033890"/>
+            <a:chOff x="2640020" y="1203231"/>
+            <a:chExt cx="1432934" cy="581750"/>
+          </a:xfrm>
+          <a:solidFill>
+            <a:schemeClr val="accent6">
+              <a:lumMod val="20000"/>
+              <a:lumOff val="80000"/>
+            </a:schemeClr>
+          </a:solidFill>
         </p:grpSpPr>
         <p:grpSp>
           <p:nvGrpSpPr>
-            <p:cNvPr id="184" name="Group 183"/>
+            <p:cNvPr id="148" name="Group 147"/>
             <p:cNvGrpSpPr/>
             <p:nvPr/>
           </p:nvGrpSpPr>
           <p:grpSpPr>
             <a:xfrm>
-              <a:off x="16661299" y="9933983"/>
-              <a:ext cx="11791834" cy="8128224"/>
-              <a:chOff x="16661299" y="9933983"/>
-              <a:chExt cx="11791834" cy="8128224"/>
+              <a:off x="2640020" y="1203231"/>
+              <a:ext cx="1432934" cy="581750"/>
+              <a:chOff x="2640022" y="1203231"/>
+              <a:chExt cx="749349" cy="581750"/>
             </a:xfrm>
+            <a:grpFill/>
           </p:grpSpPr>
           <p:sp>
             <p:nvSpPr>
-              <p:cNvPr id="109" name="TextBox 108"/>
+              <p:cNvPr id="150" name="TextBox 149"/>
               <p:cNvSpPr txBox="1"/>
               <p:nvPr/>
             </p:nvSpPr>
             <p:spPr>
               <a:xfrm>
-                <a:off x="16703813" y="11521529"/>
-                <a:ext cx="2840860" cy="656379"/>
+                <a:off x="2640022" y="1203231"/>
+                <a:ext cx="749349" cy="369332"/>
+              </a:xfrm>
+              <a:prstGeom prst="rect">
+                <a:avLst/>
+              </a:prstGeom>
+              <a:grpFill/>
+              <a:ln>
+                <a:solidFill>
+                  <a:schemeClr val="tx1"/>
+                </a:solidFill>
+              </a:ln>
+            </p:spPr>
+            <p:txBody>
+              <a:bodyPr wrap="square" rtlCol="0">
+                <a:spAutoFit/>
+              </a:bodyPr>
+              <a:lstStyle/>
+              <a:p>
+                <a:r>
+                  <a:rPr lang="en-US" sz="1800" b="1" dirty="0"/>
+                  <a:t>p</a:t>
+                </a:r>
+                <a:r>
+                  <a:rPr lang="en-US" sz="1800" b="1" dirty="0" smtClean="0"/>
+                  <a:t>lant </a:t>
+                </a:r>
+                <a:r>
+                  <a:rPr lang="en-US" sz="1800" i="1" dirty="0" smtClean="0"/>
+                  <a:t>(1860)</a:t>
+                </a:r>
+                <a:endParaRPr lang="en-US" sz="1800" i="1" dirty="0"/>
+              </a:p>
+            </p:txBody>
+          </p:sp>
+          <p:sp>
+            <p:nvSpPr>
+              <p:cNvPr id="151" name="TextBox 150"/>
+              <p:cNvSpPr txBox="1"/>
+              <p:nvPr/>
+            </p:nvSpPr>
+            <p:spPr>
+              <a:xfrm>
+                <a:off x="2647770" y="1572563"/>
+                <a:ext cx="711329" cy="212418"/>
               </a:xfrm>
               <a:prstGeom prst="rect">
                 <a:avLst/>
               </a:prstGeom>
               <a:solidFill>
-                <a:schemeClr val="accent6">
-                  <a:lumMod val="20000"/>
-                  <a:lumOff val="80000"/>
-                </a:schemeClr>
+                <a:srgbClr val="FFFFFF"/>
               </a:solidFill>
               <a:ln>
                 <a:solidFill>
@@ -4891,453 +5019,575 @@
               <a:lstStyle/>
               <a:p>
                 <a:r>
-                  <a:rPr lang="en-US" sz="1800" b="1" dirty="0" smtClean="0"/>
-                  <a:t>Location </a:t>
+                  <a:rPr lang="en-US" sz="1800" i="1" dirty="0" smtClean="0">
+                    <a:solidFill>
+                      <a:srgbClr val="FF0000"/>
+                    </a:solidFill>
+                  </a:rPr>
+                  <a:t>GBIF TRNS</a:t>
                 </a:r>
-                <a:r>
-                  <a:rPr lang="en-US" sz="1800" i="1" dirty="0" smtClean="0"/>
-                  <a:t>(500)</a:t>
-                </a:r>
-                <a:endParaRPr lang="en-US" sz="1800" i="1" dirty="0"/>
+                <a:endParaRPr lang="en-US" sz="1800" i="1" dirty="0" smtClean="0">
+                  <a:solidFill>
+                    <a:srgbClr val="FF0000"/>
+                  </a:solidFill>
+                </a:endParaRPr>
               </a:p>
             </p:txBody>
           </p:sp>
-          <p:cxnSp>
-            <p:nvCxnSpPr>
-              <p:cNvPr id="110" name="Elbow Connector 109"/>
-              <p:cNvCxnSpPr>
-                <a:stCxn id="144" idx="1"/>
-                <a:endCxn id="123" idx="3"/>
-              </p:cNvCxnSpPr>
-              <p:nvPr/>
-            </p:nvCxnSpPr>
-            <p:spPr>
-              <a:xfrm rot="10800000" flipV="1">
-                <a:off x="19647612" y="12460792"/>
-                <a:ext cx="763234" cy="1043849"/>
-              </a:xfrm>
-              <a:prstGeom prst="bentConnector3">
-                <a:avLst/>
-              </a:prstGeom>
-              <a:ln>
-                <a:headEnd type="arrow"/>
-                <a:tailEnd type="arrow"/>
-              </a:ln>
-            </p:spPr>
-            <p:style>
-              <a:lnRef idx="2">
-                <a:schemeClr val="accent1"/>
-              </a:lnRef>
-              <a:fillRef idx="0">
-                <a:schemeClr val="accent1"/>
-              </a:fillRef>
-              <a:effectRef idx="1">
-                <a:schemeClr val="accent1"/>
-              </a:effectRef>
-              <a:fontRef idx="minor">
+        </p:grpSp>
+        <p:pic>
+          <p:nvPicPr>
+            <p:cNvPr id="149" name="Picture 148" descr="Screenshot 2019-07-22 at 11.43.20.png"/>
+            <p:cNvPicPr>
+              <a:picLocks noChangeAspect="1"/>
+            </p:cNvPicPr>
+            <p:nvPr/>
+          </p:nvPicPr>
+          <p:blipFill>
+            <a:blip r:embed="rId4">
+              <a:extLst>
+                <a:ext uri="{28A0092B-C50C-407E-A947-70E740481C1C}">
+                  <a14:useLocalDpi xmlns:a14="http://schemas.microsoft.com/office/drawing/2010/main" val="0"/>
+                </a:ext>
+              </a:extLst>
+            </a:blip>
+            <a:stretch>
+              <a:fillRect/>
+            </a:stretch>
+          </p:blipFill>
+          <p:spPr>
+            <a:xfrm>
+              <a:off x="3796951" y="1330546"/>
+              <a:ext cx="203305" cy="165100"/>
+            </a:xfrm>
+            <a:prstGeom prst="rect">
+              <a:avLst/>
+            </a:prstGeom>
+            <a:grpFill/>
+          </p:spPr>
+        </p:pic>
+      </p:grpSp>
+      <p:pic>
+        <p:nvPicPr>
+          <p:cNvPr id="112" name="Picture 111" descr="Screenshot 2019-07-22 at 11.43.20.png"/>
+          <p:cNvPicPr>
+            <a:picLocks noChangeAspect="1"/>
+          </p:cNvPicPr>
+          <p:nvPr/>
+        </p:nvPicPr>
+        <p:blipFill>
+          <a:blip r:embed="rId4">
+            <a:extLst>
+              <a:ext uri="{28A0092B-C50C-407E-A947-70E740481C1C}">
+                <a14:useLocalDpi xmlns:a14="http://schemas.microsoft.com/office/drawing/2010/main" val="0"/>
+              </a:ext>
+            </a:extLst>
+          </a:blip>
+          <a:stretch>
+            <a:fillRect/>
+          </a:stretch>
+        </p:blipFill>
+        <p:spPr>
+          <a:xfrm>
+            <a:off x="19223110" y="11862795"/>
+            <a:ext cx="321563" cy="293417"/>
+          </a:xfrm>
+          <a:prstGeom prst="rect">
+            <a:avLst/>
+          </a:prstGeom>
+        </p:spPr>
+      </p:pic>
+      <p:grpSp>
+        <p:nvGrpSpPr>
+          <p:cNvPr id="113" name="Group 112"/>
+          <p:cNvGrpSpPr/>
+          <p:nvPr/>
+        </p:nvGrpSpPr>
+        <p:grpSpPr>
+          <a:xfrm>
+            <a:off x="24856010" y="14054597"/>
+            <a:ext cx="3443183" cy="1025711"/>
+            <a:chOff x="2640022" y="1203231"/>
+            <a:chExt cx="769328" cy="577148"/>
+          </a:xfrm>
+          <a:solidFill>
+            <a:schemeClr val="accent6">
+              <a:lumMod val="20000"/>
+              <a:lumOff val="80000"/>
+            </a:schemeClr>
+          </a:solidFill>
+        </p:grpSpPr>
+        <p:sp>
+          <p:nvSpPr>
+            <p:cNvPr id="146" name="TextBox 145"/>
+            <p:cNvSpPr txBox="1"/>
+            <p:nvPr/>
+          </p:nvSpPr>
+          <p:spPr>
+            <a:xfrm>
+              <a:off x="2640022" y="1203231"/>
+              <a:ext cx="749349" cy="369332"/>
+            </a:xfrm>
+            <a:prstGeom prst="rect">
+              <a:avLst/>
+            </a:prstGeom>
+            <a:grpFill/>
+            <a:ln>
+              <a:solidFill>
                 <a:schemeClr val="tx1"/>
-              </a:fontRef>
-            </p:style>
-          </p:cxnSp>
-          <p:grpSp>
-            <p:nvGrpSpPr>
-              <p:cNvPr id="111" name="Group 110"/>
-              <p:cNvGrpSpPr/>
-              <p:nvPr/>
-            </p:nvGrpSpPr>
-            <p:grpSpPr>
-              <a:xfrm>
-                <a:off x="16699705" y="12354631"/>
-                <a:ext cx="2747032" cy="1312758"/>
-                <a:chOff x="2640021" y="1203231"/>
-                <a:chExt cx="1441832" cy="738664"/>
-              </a:xfrm>
+              </a:solidFill>
+            </a:ln>
+          </p:spPr>
+          <p:txBody>
+            <a:bodyPr wrap="square" rtlCol="0">
+              <a:spAutoFit/>
+            </a:bodyPr>
+            <a:lstStyle/>
+            <a:p>
+              <a:r>
+                <a:rPr lang="en-US" sz="1800" b="1" dirty="0" smtClean="0"/>
+                <a:t>compound </a:t>
+              </a:r>
+              <a:r>
+                <a:rPr lang="en-US" sz="1800" i="1" dirty="0" smtClean="0"/>
+                <a:t>(7500)</a:t>
+              </a:r>
+              <a:endParaRPr lang="en-US" sz="1800" i="1" dirty="0"/>
+            </a:p>
+          </p:txBody>
+        </p:sp>
+        <p:sp>
+          <p:nvSpPr>
+            <p:cNvPr id="147" name="TextBox 146"/>
+            <p:cNvSpPr txBox="1"/>
+            <p:nvPr/>
+          </p:nvSpPr>
+          <p:spPr>
+            <a:xfrm>
+              <a:off x="2640024" y="1572563"/>
+              <a:ext cx="769326" cy="207816"/>
+            </a:xfrm>
+            <a:prstGeom prst="rect">
+              <a:avLst/>
+            </a:prstGeom>
+            <a:solidFill>
+              <a:schemeClr val="bg1"/>
+            </a:solidFill>
+            <a:ln>
               <a:solidFill>
-                <a:schemeClr val="accent6">
-                  <a:lumMod val="20000"/>
-                  <a:lumOff val="80000"/>
-                </a:schemeClr>
+                <a:schemeClr val="tx1"/>
               </a:solidFill>
-            </p:grpSpPr>
-            <p:grpSp>
-              <p:nvGrpSpPr>
-                <p:cNvPr id="148" name="Group 147"/>
-                <p:cNvGrpSpPr/>
-                <p:nvPr/>
-              </p:nvGrpSpPr>
-              <p:grpSpPr>
-                <a:xfrm>
-                  <a:off x="2640021" y="1203231"/>
-                  <a:ext cx="1441832" cy="738664"/>
-                  <a:chOff x="2640022" y="1203231"/>
-                  <a:chExt cx="754002" cy="738664"/>
-                </a:xfrm>
-                <a:grpFill/>
-              </p:grpSpPr>
-              <p:sp>
-                <p:nvSpPr>
-                  <p:cNvPr id="150" name="TextBox 149"/>
-                  <p:cNvSpPr txBox="1"/>
-                  <p:nvPr/>
-                </p:nvSpPr>
-                <p:spPr>
-                  <a:xfrm>
-                    <a:off x="2640022" y="1203231"/>
-                    <a:ext cx="749349" cy="369332"/>
-                  </a:xfrm>
-                  <a:prstGeom prst="rect">
-                    <a:avLst/>
-                  </a:prstGeom>
-                  <a:grpFill/>
-                  <a:ln>
-                    <a:solidFill>
-                      <a:schemeClr val="tx1"/>
-                    </a:solidFill>
-                  </a:ln>
-                </p:spPr>
-                <p:txBody>
-                  <a:bodyPr wrap="square" rtlCol="0">
-                    <a:spAutoFit/>
-                  </a:bodyPr>
-                  <a:lstStyle/>
-                  <a:p>
-                    <a:r>
-                      <a:rPr lang="en-US" sz="1800" b="1" dirty="0"/>
-                      <a:t>p</a:t>
-                    </a:r>
-                    <a:r>
-                      <a:rPr lang="en-US" sz="1800" b="1" dirty="0" smtClean="0"/>
-                      <a:t>lant </a:t>
-                    </a:r>
-                    <a:r>
-                      <a:rPr lang="en-US" sz="1800" i="1" dirty="0" smtClean="0"/>
-                      <a:t>(1860)</a:t>
-                    </a:r>
-                    <a:endParaRPr lang="en-US" sz="1800" i="1" dirty="0"/>
-                  </a:p>
-                </p:txBody>
-              </p:sp>
-              <p:sp>
-                <p:nvSpPr>
-                  <p:cNvPr id="151" name="TextBox 150"/>
-                  <p:cNvSpPr txBox="1"/>
-                  <p:nvPr/>
-                </p:nvSpPr>
-                <p:spPr>
-                  <a:xfrm>
-                    <a:off x="2640024" y="1572563"/>
-                    <a:ext cx="754000" cy="369332"/>
-                  </a:xfrm>
-                  <a:prstGeom prst="rect">
-                    <a:avLst/>
-                  </a:prstGeom>
-                  <a:grpFill/>
-                  <a:ln>
-                    <a:solidFill>
-                      <a:schemeClr val="tx1"/>
-                    </a:solidFill>
-                  </a:ln>
-                </p:spPr>
-                <p:txBody>
-                  <a:bodyPr wrap="square" rtlCol="0">
-                    <a:spAutoFit/>
-                  </a:bodyPr>
-                  <a:lstStyle/>
-                  <a:p>
-                    <a:r>
-                      <a:rPr lang="en-US" sz="1800" i="1" dirty="0" smtClean="0">
-                        <a:solidFill>
-                          <a:srgbClr val="FF0000"/>
-                        </a:solidFill>
-                      </a:rPr>
-                      <a:t>GBIF</a:t>
-                    </a:r>
-                  </a:p>
-                </p:txBody>
-              </p:sp>
-            </p:grpSp>
-            <p:pic>
-              <p:nvPicPr>
-                <p:cNvPr id="149" name="Picture 148" descr="Screenshot 2019-07-22 at 11.43.20.png"/>
-                <p:cNvPicPr>
-                  <a:picLocks noChangeAspect="1"/>
-                </p:cNvPicPr>
-                <p:nvPr/>
-              </p:nvPicPr>
-              <p:blipFill>
-                <a:blip r:embed="rId4">
-                  <a:extLst>
-                    <a:ext uri="{28A0092B-C50C-407E-A947-70E740481C1C}">
-                      <a14:useLocalDpi xmlns:a14="http://schemas.microsoft.com/office/drawing/2010/main" val="0"/>
-                    </a:ext>
-                  </a:extLst>
-                </a:blip>
-                <a:stretch>
-                  <a:fillRect/>
-                </a:stretch>
-              </p:blipFill>
-              <p:spPr>
-                <a:xfrm>
-                  <a:off x="3796951" y="1330546"/>
-                  <a:ext cx="203305" cy="165100"/>
-                </a:xfrm>
-                <a:prstGeom prst="rect">
-                  <a:avLst/>
-                </a:prstGeom>
-                <a:grpFill/>
-              </p:spPr>
-            </p:pic>
-          </p:grpSp>
-          <p:pic>
-            <p:nvPicPr>
-              <p:cNvPr id="112" name="Picture 111" descr="Screenshot 2019-07-22 at 11.43.20.png"/>
-              <p:cNvPicPr>
-                <a:picLocks noChangeAspect="1"/>
-              </p:cNvPicPr>
-              <p:nvPr/>
-            </p:nvPicPr>
-            <p:blipFill>
-              <a:blip r:embed="rId4">
-                <a:extLst>
-                  <a:ext uri="{28A0092B-C50C-407E-A947-70E740481C1C}">
-                    <a14:useLocalDpi xmlns:a14="http://schemas.microsoft.com/office/drawing/2010/main" val="0"/>
-                  </a:ext>
-                </a:extLst>
-              </a:blip>
-              <a:stretch>
-                <a:fillRect/>
-              </a:stretch>
-            </p:blipFill>
-            <p:spPr>
-              <a:xfrm>
-                <a:off x="19223110" y="11769403"/>
-                <a:ext cx="321563" cy="293417"/>
-              </a:xfrm>
-              <a:prstGeom prst="rect">
-                <a:avLst/>
-              </a:prstGeom>
-            </p:spPr>
-          </p:pic>
-          <p:grpSp>
-            <p:nvGrpSpPr>
-              <p:cNvPr id="113" name="Group 112"/>
-              <p:cNvGrpSpPr/>
-              <p:nvPr/>
-            </p:nvGrpSpPr>
-            <p:grpSpPr>
-              <a:xfrm>
-                <a:off x="25078543" y="13906597"/>
-                <a:ext cx="3374590" cy="1312758"/>
-                <a:chOff x="2640022" y="1203231"/>
-                <a:chExt cx="754002" cy="738664"/>
-              </a:xfrm>
+            </a:ln>
+          </p:spPr>
+          <p:txBody>
+            <a:bodyPr wrap="square" rtlCol="0">
+              <a:spAutoFit/>
+            </a:bodyPr>
+            <a:lstStyle/>
+            <a:p>
+              <a:r>
+                <a:rPr lang="en-US" sz="1800" i="1" dirty="0" err="1" smtClean="0">
+                  <a:solidFill>
+                    <a:srgbClr val="FF0000"/>
+                  </a:solidFill>
+                </a:rPr>
+                <a:t>Pubchem</a:t>
+              </a:r>
+              <a:r>
+                <a:rPr lang="en-US" sz="1800" i="1" dirty="0" smtClean="0"/>
+                <a:t> </a:t>
+              </a:r>
+              <a:r>
+                <a:rPr lang="en-US" sz="1800" i="1" dirty="0" smtClean="0">
+                  <a:solidFill>
+                    <a:srgbClr val="FF0000"/>
+                  </a:solidFill>
+                </a:rPr>
+                <a:t>OPSIN</a:t>
+              </a:r>
+            </a:p>
+          </p:txBody>
+        </p:sp>
+      </p:grpSp>
+      <p:grpSp>
+        <p:nvGrpSpPr>
+          <p:cNvPr id="115" name="Group 114"/>
+          <p:cNvGrpSpPr/>
+          <p:nvPr/>
+        </p:nvGrpSpPr>
+        <p:grpSpPr>
+          <a:xfrm>
+            <a:off x="20410846" y="12225995"/>
+            <a:ext cx="2703637" cy="1302709"/>
+            <a:chOff x="2640022" y="1203231"/>
+            <a:chExt cx="893898" cy="733010"/>
+          </a:xfrm>
+          <a:solidFill>
+            <a:schemeClr val="accent6">
+              <a:lumMod val="20000"/>
+              <a:lumOff val="80000"/>
+            </a:schemeClr>
+          </a:solidFill>
+        </p:grpSpPr>
+        <p:sp>
+          <p:nvSpPr>
+            <p:cNvPr id="144" name="TextBox 143"/>
+            <p:cNvSpPr txBox="1"/>
+            <p:nvPr/>
+          </p:nvSpPr>
+          <p:spPr>
+            <a:xfrm>
+              <a:off x="2640022" y="1203231"/>
+              <a:ext cx="893898" cy="369332"/>
+            </a:xfrm>
+            <a:prstGeom prst="rect">
+              <a:avLst/>
+            </a:prstGeom>
+            <a:grpFill/>
+            <a:ln>
               <a:solidFill>
-                <a:schemeClr val="accent6">
-                  <a:lumMod val="20000"/>
-                  <a:lumOff val="80000"/>
-                </a:schemeClr>
+                <a:schemeClr val="tx1"/>
               </a:solidFill>
-            </p:grpSpPr>
-            <p:sp>
-              <p:nvSpPr>
-                <p:cNvPr id="146" name="TextBox 145"/>
-                <p:cNvSpPr txBox="1"/>
-                <p:nvPr/>
-              </p:nvSpPr>
-              <p:spPr>
-                <a:xfrm>
-                  <a:off x="2640022" y="1203231"/>
-                  <a:ext cx="749349" cy="369332"/>
-                </a:xfrm>
-                <a:prstGeom prst="rect">
-                  <a:avLst/>
-                </a:prstGeom>
-                <a:grpFill/>
-                <a:ln>
-                  <a:solidFill>
-                    <a:schemeClr val="tx1"/>
-                  </a:solidFill>
-                </a:ln>
-              </p:spPr>
-              <p:txBody>
-                <a:bodyPr wrap="square" rtlCol="0">
-                  <a:spAutoFit/>
-                </a:bodyPr>
-                <a:lstStyle/>
-                <a:p>
-                  <a:r>
-                    <a:rPr lang="en-US" sz="1800" b="1" dirty="0" smtClean="0"/>
-                    <a:t>compound </a:t>
-                  </a:r>
-                  <a:r>
-                    <a:rPr lang="en-US" sz="1800" i="1" dirty="0" smtClean="0"/>
-                    <a:t>(7500)</a:t>
-                  </a:r>
-                  <a:endParaRPr lang="en-US" sz="1800" i="1" dirty="0"/>
-                </a:p>
-              </p:txBody>
-            </p:sp>
-            <p:sp>
-              <p:nvSpPr>
-                <p:cNvPr id="147" name="TextBox 146"/>
-                <p:cNvSpPr txBox="1"/>
-                <p:nvPr/>
-              </p:nvSpPr>
-              <p:spPr>
-                <a:xfrm>
-                  <a:off x="2640024" y="1572563"/>
-                  <a:ext cx="754000" cy="369332"/>
-                </a:xfrm>
-                <a:prstGeom prst="rect">
-                  <a:avLst/>
-                </a:prstGeom>
-                <a:grpFill/>
-                <a:ln>
-                  <a:solidFill>
-                    <a:schemeClr val="tx1"/>
-                  </a:solidFill>
-                </a:ln>
-              </p:spPr>
-              <p:txBody>
-                <a:bodyPr wrap="square" rtlCol="0">
-                  <a:spAutoFit/>
-                </a:bodyPr>
-                <a:lstStyle/>
-                <a:p>
-                  <a:r>
-                    <a:rPr lang="en-US" sz="1800" i="1" dirty="0" err="1" smtClean="0">
-                      <a:solidFill>
-                        <a:srgbClr val="FF0000"/>
-                      </a:solidFill>
-                    </a:rPr>
-                    <a:t>Pubchem</a:t>
-                  </a:r>
-                  <a:r>
-                    <a:rPr lang="en-US" sz="1800" i="1" dirty="0" smtClean="0"/>
-                    <a:t> </a:t>
-                  </a:r>
-                  <a:r>
-                    <a:rPr lang="en-US" sz="1800" i="1" dirty="0" smtClean="0">
-                      <a:solidFill>
-                        <a:srgbClr val="FF0000"/>
-                      </a:solidFill>
-                    </a:rPr>
-                    <a:t>OPSIN</a:t>
-                  </a:r>
-                </a:p>
-              </p:txBody>
-            </p:sp>
-          </p:grpSp>
-          <p:grpSp>
-            <p:nvGrpSpPr>
-              <p:cNvPr id="115" name="Group 114"/>
-              <p:cNvGrpSpPr/>
-              <p:nvPr/>
-            </p:nvGrpSpPr>
-            <p:grpSpPr>
-              <a:xfrm>
-                <a:off x="20410846" y="12132603"/>
-                <a:ext cx="2703637" cy="2789610"/>
-                <a:chOff x="2640022" y="1203231"/>
-                <a:chExt cx="893898" cy="1569661"/>
-              </a:xfrm>
+            </a:ln>
+          </p:spPr>
+          <p:txBody>
+            <a:bodyPr wrap="square" rtlCol="0">
+              <a:spAutoFit/>
+            </a:bodyPr>
+            <a:lstStyle/>
+            <a:p>
+              <a:r>
+                <a:rPr lang="en-US" sz="1800" b="1" dirty="0" smtClean="0"/>
+                <a:t>profile (????)</a:t>
+              </a:r>
+              <a:endParaRPr lang="en-US" sz="1800" b="1" dirty="0"/>
+            </a:p>
+          </p:txBody>
+        </p:sp>
+        <p:sp>
+          <p:nvSpPr>
+            <p:cNvPr id="145" name="TextBox 144"/>
+            <p:cNvSpPr txBox="1"/>
+            <p:nvPr/>
+          </p:nvSpPr>
+          <p:spPr>
+            <a:xfrm>
+              <a:off x="2640024" y="1572563"/>
+              <a:ext cx="893896" cy="363678"/>
+            </a:xfrm>
+            <a:prstGeom prst="rect">
+              <a:avLst/>
+            </a:prstGeom>
+            <a:solidFill>
+              <a:srgbClr val="FFFFFF"/>
+            </a:solidFill>
+            <a:ln>
               <a:solidFill>
-                <a:schemeClr val="accent6">
-                  <a:lumMod val="20000"/>
-                  <a:lumOff val="80000"/>
-                </a:schemeClr>
+                <a:schemeClr val="tx1"/>
               </a:solidFill>
-            </p:grpSpPr>
-            <p:sp>
-              <p:nvSpPr>
-                <p:cNvPr id="144" name="TextBox 143"/>
-                <p:cNvSpPr txBox="1"/>
-                <p:nvPr/>
-              </p:nvSpPr>
-              <p:spPr>
-                <a:xfrm>
-                  <a:off x="2640022" y="1203231"/>
-                  <a:ext cx="893898" cy="369332"/>
-                </a:xfrm>
-                <a:prstGeom prst="rect">
-                  <a:avLst/>
-                </a:prstGeom>
-                <a:grpFill/>
-                <a:ln>
-                  <a:solidFill>
-                    <a:schemeClr val="tx1"/>
-                  </a:solidFill>
-                </a:ln>
-              </p:spPr>
-              <p:txBody>
-                <a:bodyPr wrap="square" rtlCol="0">
-                  <a:spAutoFit/>
-                </a:bodyPr>
-                <a:lstStyle/>
-                <a:p>
-                  <a:r>
-                    <a:rPr lang="en-US" sz="1800" b="1" dirty="0" smtClean="0"/>
-                    <a:t>profile (????)</a:t>
-                  </a:r>
-                  <a:endParaRPr lang="en-US" sz="1800" b="1" dirty="0"/>
-                </a:p>
-              </p:txBody>
-            </p:sp>
-            <p:sp>
-              <p:nvSpPr>
-                <p:cNvPr id="145" name="TextBox 144"/>
-                <p:cNvSpPr txBox="1"/>
-                <p:nvPr/>
-              </p:nvSpPr>
-              <p:spPr>
-                <a:xfrm>
-                  <a:off x="2640024" y="1572563"/>
-                  <a:ext cx="893895" cy="1200329"/>
-                </a:xfrm>
-                <a:prstGeom prst="rect">
-                  <a:avLst/>
-                </a:prstGeom>
-                <a:grpFill/>
-                <a:ln>
-                  <a:solidFill>
-                    <a:schemeClr val="tx1"/>
-                  </a:solidFill>
-                </a:ln>
-              </p:spPr>
-              <p:txBody>
-                <a:bodyPr wrap="square" rtlCol="0">
-                  <a:spAutoFit/>
-                </a:bodyPr>
-                <a:lstStyle/>
-                <a:p>
-                  <a:r>
-                    <a:rPr lang="en-US" sz="1800" i="1" dirty="0" smtClean="0"/>
-                    <a:t>Compounds emitted in single experiment</a:t>
-                  </a:r>
-                </a:p>
-              </p:txBody>
-            </p:sp>
-          </p:grpSp>
+            </a:ln>
+          </p:spPr>
+          <p:txBody>
+            <a:bodyPr wrap="square" rtlCol="0">
+              <a:spAutoFit/>
+            </a:bodyPr>
+            <a:lstStyle/>
+            <a:p>
+              <a:r>
+                <a:rPr lang="en-US" sz="1800" i="1" dirty="0" smtClean="0"/>
+                <a:t>Compounds emitted in single experiment</a:t>
+              </a:r>
+            </a:p>
+          </p:txBody>
+        </p:sp>
+      </p:grpSp>
+      <p:sp>
+        <p:nvSpPr>
+          <p:cNvPr id="116" name="TextBox 115"/>
+          <p:cNvSpPr txBox="1"/>
+          <p:nvPr/>
+        </p:nvSpPr>
+        <p:spPr>
+          <a:xfrm>
+            <a:off x="24929624" y="12825534"/>
+            <a:ext cx="2703637" cy="656379"/>
+          </a:xfrm>
+          <a:prstGeom prst="rect">
+            <a:avLst/>
+          </a:prstGeom>
+          <a:solidFill>
+            <a:schemeClr val="accent6">
+              <a:lumMod val="20000"/>
+              <a:lumOff val="80000"/>
+            </a:schemeClr>
+          </a:solidFill>
+          <a:ln>
+            <a:solidFill>
+              <a:schemeClr val="tx1"/>
+            </a:solidFill>
+          </a:ln>
+        </p:spPr>
+        <p:txBody>
+          <a:bodyPr wrap="square" rtlCol="0">
+            <a:spAutoFit/>
+          </a:bodyPr>
+          <a:lstStyle/>
+          <a:p>
+            <a:r>
+              <a:rPr lang="en-US" sz="1800" b="1" dirty="0" smtClean="0"/>
+              <a:t>measurement</a:t>
+            </a:r>
+            <a:endParaRPr lang="en-US" sz="1800" b="1" dirty="0"/>
+          </a:p>
+        </p:txBody>
+      </p:sp>
+      <p:cxnSp>
+        <p:nvCxnSpPr>
+          <p:cNvPr id="117" name="Elbow Connector 116"/>
+          <p:cNvCxnSpPr>
+            <a:stCxn id="144" idx="3"/>
+            <a:endCxn id="116" idx="1"/>
+          </p:cNvCxnSpPr>
+          <p:nvPr/>
+        </p:nvCxnSpPr>
+        <p:spPr>
+          <a:xfrm>
+            <a:off x="23114483" y="12554185"/>
+            <a:ext cx="1815140" cy="599539"/>
+          </a:xfrm>
+          <a:prstGeom prst="bentConnector3">
+            <a:avLst>
+              <a:gd name="adj1" fmla="val 50000"/>
+            </a:avLst>
+          </a:prstGeom>
+          <a:ln>
+            <a:headEnd type="arrow"/>
+            <a:tailEnd type="arrow"/>
+          </a:ln>
+        </p:spPr>
+        <p:style>
+          <a:lnRef idx="2">
+            <a:schemeClr val="accent1"/>
+          </a:lnRef>
+          <a:fillRef idx="0">
+            <a:schemeClr val="accent1"/>
+          </a:fillRef>
+          <a:effectRef idx="1">
+            <a:schemeClr val="accent1"/>
+          </a:effectRef>
+          <a:fontRef idx="minor">
+            <a:schemeClr val="tx1"/>
+          </a:fontRef>
+        </p:style>
+      </p:cxnSp>
+      <p:sp>
+        <p:nvSpPr>
+          <p:cNvPr id="118" name="TextBox 117"/>
+          <p:cNvSpPr txBox="1"/>
+          <p:nvPr/>
+        </p:nvSpPr>
+        <p:spPr>
+          <a:xfrm>
+            <a:off x="16722129" y="13952721"/>
+            <a:ext cx="2266441" cy="656379"/>
+          </a:xfrm>
+          <a:prstGeom prst="rect">
+            <a:avLst/>
+          </a:prstGeom>
+          <a:solidFill>
+            <a:schemeClr val="accent6">
+              <a:lumMod val="20000"/>
+              <a:lumOff val="80000"/>
+            </a:schemeClr>
+          </a:solidFill>
+          <a:ln>
+            <a:solidFill>
+              <a:schemeClr val="tx1"/>
+            </a:solidFill>
+          </a:ln>
+        </p:spPr>
+        <p:txBody>
+          <a:bodyPr wrap="square" rtlCol="0">
+            <a:spAutoFit/>
+          </a:bodyPr>
+          <a:lstStyle/>
+          <a:p>
+            <a:r>
+              <a:rPr lang="en-US" sz="1800" b="1" dirty="0" err="1" smtClean="0"/>
+              <a:t>plantpart</a:t>
+            </a:r>
+            <a:endParaRPr lang="en-US" sz="1800" b="1" dirty="0"/>
+          </a:p>
+        </p:txBody>
+      </p:sp>
+      <p:cxnSp>
+        <p:nvCxnSpPr>
+          <p:cNvPr id="119" name="Elbow Connector 118"/>
+          <p:cNvCxnSpPr>
+            <a:stCxn id="145" idx="3"/>
+            <a:endCxn id="146" idx="1"/>
+          </p:cNvCxnSpPr>
+          <p:nvPr/>
+        </p:nvCxnSpPr>
+        <p:spPr>
+          <a:xfrm>
+            <a:off x="23114483" y="13205539"/>
+            <a:ext cx="1741527" cy="1177248"/>
+          </a:xfrm>
+          <a:prstGeom prst="bentConnector3">
+            <a:avLst>
+              <a:gd name="adj1" fmla="val 50000"/>
+            </a:avLst>
+          </a:prstGeom>
+          <a:ln>
+            <a:headEnd type="arrow"/>
+            <a:tailEnd type="arrow"/>
+          </a:ln>
+        </p:spPr>
+        <p:style>
+          <a:lnRef idx="2">
+            <a:schemeClr val="accent1"/>
+          </a:lnRef>
+          <a:fillRef idx="0">
+            <a:schemeClr val="accent1"/>
+          </a:fillRef>
+          <a:effectRef idx="1">
+            <a:schemeClr val="accent1"/>
+          </a:effectRef>
+          <a:fontRef idx="minor">
+            <a:schemeClr val="tx1"/>
+          </a:fontRef>
+        </p:style>
+      </p:cxnSp>
+      <p:sp>
+        <p:nvSpPr>
+          <p:cNvPr id="120" name="TextBox 119"/>
+          <p:cNvSpPr txBox="1"/>
+          <p:nvPr/>
+        </p:nvSpPr>
+        <p:spPr>
+          <a:xfrm>
+            <a:off x="16757824" y="10797378"/>
+            <a:ext cx="2426095" cy="646331"/>
+          </a:xfrm>
+          <a:prstGeom prst="rect">
+            <a:avLst/>
+          </a:prstGeom>
+          <a:noFill/>
+        </p:spPr>
+        <p:txBody>
+          <a:bodyPr wrap="square" rtlCol="0">
+            <a:spAutoFit/>
+          </a:bodyPr>
+          <a:lstStyle/>
+          <a:p>
+            <a:r>
+              <a:rPr lang="en-US" sz="1800" dirty="0" smtClean="0"/>
+              <a:t>Independent</a:t>
+            </a:r>
+          </a:p>
+          <a:p>
+            <a:r>
+              <a:rPr lang="en-US" sz="1800" dirty="0" smtClean="0"/>
+              <a:t>variables</a:t>
+            </a:r>
+            <a:endParaRPr lang="en-US" sz="1800" dirty="0"/>
+          </a:p>
+        </p:txBody>
+      </p:sp>
+      <p:sp>
+        <p:nvSpPr>
+          <p:cNvPr id="121" name="TextBox 120"/>
+          <p:cNvSpPr txBox="1"/>
+          <p:nvPr/>
+        </p:nvSpPr>
+        <p:spPr>
+          <a:xfrm>
+            <a:off x="16735639" y="14884709"/>
+            <a:ext cx="1998955" cy="656379"/>
+          </a:xfrm>
+          <a:prstGeom prst="rect">
+            <a:avLst/>
+          </a:prstGeom>
+          <a:solidFill>
+            <a:schemeClr val="accent6">
+              <a:lumMod val="20000"/>
+              <a:lumOff val="80000"/>
+            </a:schemeClr>
+          </a:solidFill>
+          <a:ln>
+            <a:solidFill>
+              <a:schemeClr val="tx1"/>
+            </a:solidFill>
+          </a:ln>
+        </p:spPr>
+        <p:txBody>
+          <a:bodyPr wrap="square" rtlCol="0">
+            <a:spAutoFit/>
+          </a:bodyPr>
+          <a:lstStyle/>
+          <a:p>
+            <a:r>
+              <a:rPr lang="en-US" sz="1800" b="1" i="1" dirty="0"/>
+              <a:t>d</a:t>
+            </a:r>
+            <a:r>
+              <a:rPr lang="en-US" sz="1800" b="1" i="1" dirty="0" smtClean="0"/>
+              <a:t>ate-time</a:t>
+            </a:r>
+            <a:endParaRPr lang="en-US" sz="1800" b="1" i="1" dirty="0"/>
+          </a:p>
+        </p:txBody>
+      </p:sp>
+      <p:grpSp>
+        <p:nvGrpSpPr>
+          <p:cNvPr id="183" name="Group 182"/>
+          <p:cNvGrpSpPr/>
+          <p:nvPr/>
+        </p:nvGrpSpPr>
+        <p:grpSpPr>
+          <a:xfrm>
+            <a:off x="16757824" y="15670893"/>
+            <a:ext cx="11097222" cy="2484706"/>
+            <a:chOff x="16757824" y="15577501"/>
+            <a:chExt cx="11097222" cy="2484706"/>
+          </a:xfrm>
+        </p:grpSpPr>
+        <p:grpSp>
+          <p:nvGrpSpPr>
+            <p:cNvPr id="140" name="Group 139"/>
+            <p:cNvGrpSpPr/>
+            <p:nvPr/>
+          </p:nvGrpSpPr>
+          <p:grpSpPr>
+            <a:xfrm>
+              <a:off x="20395090" y="15577501"/>
+              <a:ext cx="7459956" cy="2245341"/>
+              <a:chOff x="2644675" y="1342971"/>
+              <a:chExt cx="755596" cy="345031"/>
+            </a:xfrm>
+            <a:solidFill>
+              <a:schemeClr val="accent6">
+                <a:lumMod val="20000"/>
+                <a:lumOff val="80000"/>
+              </a:schemeClr>
+            </a:solidFill>
+          </p:grpSpPr>
           <p:sp>
             <p:nvSpPr>
-              <p:cNvPr id="116" name="TextBox 115"/>
+              <p:cNvPr id="142" name="TextBox 141"/>
               <p:cNvSpPr txBox="1"/>
               <p:nvPr/>
             </p:nvSpPr>
             <p:spPr>
               <a:xfrm>
-                <a:off x="24929624" y="12732142"/>
-                <a:ext cx="2703637" cy="656379"/>
+                <a:off x="2644675" y="1342971"/>
+                <a:ext cx="749349" cy="159623"/>
               </a:xfrm>
               <a:prstGeom prst="rect">
                 <a:avLst/>
               </a:prstGeom>
-              <a:solidFill>
-                <a:schemeClr val="accent6">
-                  <a:lumMod val="20000"/>
-                  <a:lumOff val="80000"/>
-                </a:schemeClr>
-              </a:solidFill>
+              <a:grpFill/>
               <a:ln>
                 <a:solidFill>
                   <a:schemeClr val="tx1"/>
@@ -5351,72 +5601,47 @@
               <a:lstStyle/>
               <a:p>
                 <a:r>
-                  <a:rPr lang="en-US" sz="1800" b="1" dirty="0" smtClean="0"/>
-                  <a:t>measurement</a:t>
+                  <a:rPr lang="en-US" sz="1800" b="1" dirty="0" err="1">
+                    <a:solidFill>
+                      <a:srgbClr val="0000FF"/>
+                    </a:solidFill>
+                  </a:rPr>
+                  <a:t>f</a:t>
                 </a:r>
-                <a:endParaRPr lang="en-US" sz="1800" b="1" dirty="0"/>
+                <a:r>
+                  <a:rPr lang="en-US" sz="1800" b="1" dirty="0" err="1" smtClean="0">
+                    <a:solidFill>
+                      <a:srgbClr val="0000FF"/>
+                    </a:solidFill>
+                  </a:rPr>
+                  <a:t>reetext</a:t>
+                </a:r>
+                <a:r>
+                  <a:rPr lang="en-US" sz="1800" b="1" dirty="0" smtClean="0">
+                    <a:solidFill>
+                      <a:srgbClr val="0000FF"/>
+                    </a:solidFill>
+                  </a:rPr>
+                  <a:t> mined data linked to</a:t>
+                </a:r>
               </a:p>
             </p:txBody>
           </p:sp>
-          <p:cxnSp>
-            <p:nvCxnSpPr>
-              <p:cNvPr id="117" name="Elbow Connector 116"/>
-              <p:cNvCxnSpPr>
-                <a:stCxn id="144" idx="3"/>
-                <a:endCxn id="116" idx="1"/>
-              </p:cNvCxnSpPr>
-              <p:nvPr/>
-            </p:nvCxnSpPr>
-            <p:spPr>
-              <a:xfrm>
-                <a:off x="23114483" y="12460793"/>
-                <a:ext cx="1815140" cy="599539"/>
-              </a:xfrm>
-              <a:prstGeom prst="bentConnector3">
-                <a:avLst>
-                  <a:gd name="adj1" fmla="val 50000"/>
-                </a:avLst>
-              </a:prstGeom>
-              <a:ln>
-                <a:headEnd type="arrow"/>
-                <a:tailEnd type="arrow"/>
-              </a:ln>
-            </p:spPr>
-            <p:style>
-              <a:lnRef idx="2">
-                <a:schemeClr val="accent1"/>
-              </a:lnRef>
-              <a:fillRef idx="0">
-                <a:schemeClr val="accent1"/>
-              </a:fillRef>
-              <a:effectRef idx="1">
-                <a:schemeClr val="accent1"/>
-              </a:effectRef>
-              <a:fontRef idx="minor">
-                <a:schemeClr val="tx1"/>
-              </a:fontRef>
-            </p:style>
-          </p:cxnSp>
           <p:sp>
             <p:nvSpPr>
-              <p:cNvPr id="118" name="TextBox 117"/>
+              <p:cNvPr id="143" name="TextBox 142"/>
               <p:cNvSpPr txBox="1"/>
               <p:nvPr/>
             </p:nvSpPr>
             <p:spPr>
               <a:xfrm>
-                <a:off x="16722129" y="13859329"/>
-                <a:ext cx="2266441" cy="656379"/>
+                <a:off x="2646271" y="1528379"/>
+                <a:ext cx="754000" cy="159623"/>
               </a:xfrm>
               <a:prstGeom prst="rect">
                 <a:avLst/>
               </a:prstGeom>
-              <a:solidFill>
-                <a:schemeClr val="accent6">
-                  <a:lumMod val="20000"/>
-                  <a:lumOff val="80000"/>
-                </a:schemeClr>
-              </a:solidFill>
+              <a:grpFill/>
               <a:ln>
                 <a:solidFill>
                   <a:schemeClr val="tx1"/>
@@ -5429,899 +5654,667 @@
               </a:bodyPr>
               <a:lstStyle/>
               <a:p>
-                <a:r>
-                  <a:rPr lang="en-US" sz="1800" b="1" dirty="0" err="1" smtClean="0"/>
-                  <a:t>plantpart</a:t>
-                </a:r>
-                <a:endParaRPr lang="en-US" sz="1800" b="1" dirty="0"/>
-              </a:p>
-            </p:txBody>
-          </p:sp>
-          <p:cxnSp>
-            <p:nvCxnSpPr>
-              <p:cNvPr id="119" name="Elbow Connector 118"/>
-              <p:cNvCxnSpPr>
-                <a:stCxn id="145" idx="3"/>
-                <a:endCxn id="146" idx="1"/>
-              </p:cNvCxnSpPr>
-              <p:nvPr/>
-            </p:nvCxnSpPr>
-            <p:spPr>
-              <a:xfrm>
-                <a:off x="23114480" y="13855599"/>
-                <a:ext cx="1964063" cy="379188"/>
-              </a:xfrm>
-              <a:prstGeom prst="bentConnector3">
-                <a:avLst>
-                  <a:gd name="adj1" fmla="val 50000"/>
-                </a:avLst>
-              </a:prstGeom>
-              <a:ln>
-                <a:headEnd type="arrow"/>
-                <a:tailEnd type="arrow"/>
-              </a:ln>
-            </p:spPr>
-            <p:style>
-              <a:lnRef idx="2">
-                <a:schemeClr val="accent1"/>
-              </a:lnRef>
-              <a:fillRef idx="0">
-                <a:schemeClr val="accent1"/>
-              </a:fillRef>
-              <a:effectRef idx="1">
-                <a:schemeClr val="accent1"/>
-              </a:effectRef>
-              <a:fontRef idx="minor">
-                <a:schemeClr val="tx1"/>
-              </a:fontRef>
-            </p:style>
-          </p:cxnSp>
-          <p:sp>
-            <p:nvSpPr>
-              <p:cNvPr id="120" name="TextBox 119"/>
-              <p:cNvSpPr txBox="1"/>
-              <p:nvPr/>
-            </p:nvSpPr>
-            <p:spPr>
-              <a:xfrm>
-                <a:off x="16757824" y="10703986"/>
-                <a:ext cx="2426095" cy="646331"/>
-              </a:xfrm>
-              <a:prstGeom prst="rect">
-                <a:avLst/>
-              </a:prstGeom>
-              <a:noFill/>
-            </p:spPr>
-            <p:txBody>
-              <a:bodyPr wrap="square" rtlCol="0">
-                <a:spAutoFit/>
-              </a:bodyPr>
-              <a:lstStyle/>
-              <a:p>
-                <a:r>
-                  <a:rPr lang="en-US" sz="1800" dirty="0" smtClean="0"/>
-                  <a:t>Independent</a:t>
-                </a:r>
-              </a:p>
-              <a:p>
-                <a:r>
-                  <a:rPr lang="en-US" sz="1800" dirty="0" smtClean="0"/>
-                  <a:t>variables</a:t>
-                </a:r>
-                <a:endParaRPr lang="en-US" sz="1800" dirty="0"/>
-              </a:p>
-            </p:txBody>
-          </p:sp>
-          <p:sp>
-            <p:nvSpPr>
-              <p:cNvPr id="121" name="TextBox 120"/>
-              <p:cNvSpPr txBox="1"/>
-              <p:nvPr/>
-            </p:nvSpPr>
-            <p:spPr>
-              <a:xfrm>
-                <a:off x="16735639" y="14791317"/>
-                <a:ext cx="1998955" cy="656379"/>
-              </a:xfrm>
-              <a:prstGeom prst="rect">
-                <a:avLst/>
-              </a:prstGeom>
-              <a:solidFill>
-                <a:schemeClr val="accent6">
-                  <a:lumMod val="20000"/>
-                  <a:lumOff val="80000"/>
-                </a:schemeClr>
-              </a:solidFill>
-              <a:ln>
-                <a:solidFill>
-                  <a:schemeClr val="tx1"/>
-                </a:solidFill>
-              </a:ln>
-            </p:spPr>
-            <p:txBody>
-              <a:bodyPr wrap="square" rtlCol="0">
-                <a:spAutoFit/>
-              </a:bodyPr>
-              <a:lstStyle/>
-              <a:p>
-                <a:r>
-                  <a:rPr lang="en-US" sz="1800" b="1" i="1" dirty="0"/>
-                  <a:t>d</a:t>
-                </a:r>
-                <a:r>
-                  <a:rPr lang="en-US" sz="1800" b="1" i="1" dirty="0" smtClean="0"/>
-                  <a:t>ate-time</a:t>
-                </a:r>
-                <a:endParaRPr lang="en-US" sz="1800" b="1" i="1" dirty="0"/>
-              </a:p>
-            </p:txBody>
-          </p:sp>
-          <p:grpSp>
-            <p:nvGrpSpPr>
-              <p:cNvPr id="183" name="Group 182"/>
-              <p:cNvGrpSpPr/>
-              <p:nvPr/>
-            </p:nvGrpSpPr>
-            <p:grpSpPr>
-              <a:xfrm>
-                <a:off x="16757824" y="15577501"/>
-                <a:ext cx="11097222" cy="2484706"/>
-                <a:chOff x="16757824" y="15577501"/>
-                <a:chExt cx="11097222" cy="2484706"/>
-              </a:xfrm>
-            </p:grpSpPr>
-            <p:grpSp>
-              <p:nvGrpSpPr>
-                <p:cNvPr id="140" name="Group 139"/>
-                <p:cNvGrpSpPr/>
-                <p:nvPr/>
-              </p:nvGrpSpPr>
-              <p:grpSpPr>
-                <a:xfrm>
-                  <a:off x="20395090" y="15577501"/>
-                  <a:ext cx="7459956" cy="2245341"/>
-                  <a:chOff x="2644675" y="1342971"/>
-                  <a:chExt cx="755596" cy="345031"/>
-                </a:xfrm>
-                <a:solidFill>
-                  <a:schemeClr val="accent6">
-                    <a:lumMod val="20000"/>
-                    <a:lumOff val="80000"/>
-                  </a:schemeClr>
-                </a:solidFill>
-              </p:grpSpPr>
-              <p:sp>
-                <p:nvSpPr>
-                  <p:cNvPr id="142" name="TextBox 141"/>
-                  <p:cNvSpPr txBox="1"/>
-                  <p:nvPr/>
-                </p:nvSpPr>
-                <p:spPr>
-                  <a:xfrm>
-                    <a:off x="2644675" y="1342971"/>
-                    <a:ext cx="749349" cy="159623"/>
-                  </a:xfrm>
-                  <a:prstGeom prst="rect">
-                    <a:avLst/>
-                  </a:prstGeom>
-                  <a:grpFill/>
-                  <a:ln>
-                    <a:solidFill>
-                      <a:schemeClr val="tx1"/>
-                    </a:solidFill>
-                  </a:ln>
-                </p:spPr>
-                <p:txBody>
-                  <a:bodyPr wrap="square" rtlCol="0">
-                    <a:spAutoFit/>
-                  </a:bodyPr>
-                  <a:lstStyle/>
-                  <a:p>
-                    <a:r>
-                      <a:rPr lang="en-US" sz="1800" b="1" dirty="0" err="1">
-                        <a:solidFill>
-                          <a:srgbClr val="0000FF"/>
-                        </a:solidFill>
-                      </a:rPr>
-                      <a:t>f</a:t>
-                    </a:r>
-                    <a:r>
-                      <a:rPr lang="en-US" sz="1800" b="1" dirty="0" err="1" smtClean="0">
-                        <a:solidFill>
-                          <a:srgbClr val="0000FF"/>
-                        </a:solidFill>
-                      </a:rPr>
-                      <a:t>reetext</a:t>
-                    </a:r>
-                    <a:r>
-                      <a:rPr lang="en-US" sz="1800" b="1" dirty="0" smtClean="0">
-                        <a:solidFill>
-                          <a:srgbClr val="0000FF"/>
-                        </a:solidFill>
-                      </a:rPr>
-                      <a:t> mined data linked to</a:t>
-                    </a:r>
-                  </a:p>
-                </p:txBody>
-              </p:sp>
-              <p:sp>
-                <p:nvSpPr>
-                  <p:cNvPr id="143" name="TextBox 142"/>
-                  <p:cNvSpPr txBox="1"/>
-                  <p:nvPr/>
-                </p:nvSpPr>
-                <p:spPr>
-                  <a:xfrm>
-                    <a:off x="2646271" y="1528379"/>
-                    <a:ext cx="754000" cy="159623"/>
-                  </a:xfrm>
-                  <a:prstGeom prst="rect">
-                    <a:avLst/>
-                  </a:prstGeom>
-                  <a:grpFill/>
-                  <a:ln>
-                    <a:solidFill>
-                      <a:schemeClr val="tx1"/>
-                    </a:solidFill>
-                  </a:ln>
-                </p:spPr>
-                <p:txBody>
-                  <a:bodyPr wrap="square" rtlCol="0">
-                    <a:spAutoFit/>
-                  </a:bodyPr>
-                  <a:lstStyle/>
-                  <a:p>
-                    <a:endParaRPr lang="en-US" sz="1800" dirty="0" smtClean="0"/>
-                  </a:p>
-                </p:txBody>
-              </p:sp>
-            </p:grpSp>
-            <p:pic>
-              <p:nvPicPr>
-                <p:cNvPr id="141" name="Picture 140" descr="Screenshot 2019-07-22 at 11.43.20.png"/>
-                <p:cNvPicPr>
-                  <a:picLocks noChangeAspect="1"/>
-                </p:cNvPicPr>
-                <p:nvPr/>
-              </p:nvPicPr>
-              <p:blipFill>
-                <a:blip r:embed="rId4">
-                  <a:extLst>
-                    <a:ext uri="{28A0092B-C50C-407E-A947-70E740481C1C}">
-                      <a14:useLocalDpi xmlns:a14="http://schemas.microsoft.com/office/drawing/2010/main" val="0"/>
-                    </a:ext>
-                  </a:extLst>
-                </a:blip>
-                <a:stretch>
-                  <a:fillRect/>
-                </a:stretch>
-              </p:blipFill>
-              <p:spPr>
-                <a:xfrm>
-                  <a:off x="16757824" y="17591081"/>
-                  <a:ext cx="839503" cy="471126"/>
-                </a:xfrm>
-                <a:prstGeom prst="rect">
-                  <a:avLst/>
-                </a:prstGeom>
-                <a:solidFill>
-                  <a:schemeClr val="accent6">
-                    <a:lumMod val="20000"/>
-                    <a:lumOff val="80000"/>
-                  </a:schemeClr>
-                </a:solidFill>
-              </p:spPr>
-            </p:pic>
-          </p:grpSp>
-          <p:sp>
-            <p:nvSpPr>
-              <p:cNvPr id="123" name="Rectangle 122"/>
-              <p:cNvSpPr/>
-              <p:nvPr/>
-            </p:nvSpPr>
-            <p:spPr>
-              <a:xfrm>
-                <a:off x="16661299" y="10590362"/>
-                <a:ext cx="2986313" cy="5828559"/>
-              </a:xfrm>
-              <a:prstGeom prst="rect">
-                <a:avLst/>
-              </a:prstGeom>
-              <a:noFill/>
-            </p:spPr>
-            <p:style>
-              <a:lnRef idx="1">
-                <a:schemeClr val="accent1"/>
-              </a:lnRef>
-              <a:fillRef idx="3">
-                <a:schemeClr val="accent1"/>
-              </a:fillRef>
-              <a:effectRef idx="2">
-                <a:schemeClr val="accent1"/>
-              </a:effectRef>
-              <a:fontRef idx="minor">
-                <a:schemeClr val="lt1"/>
-              </a:fontRef>
-            </p:style>
-            <p:txBody>
-              <a:bodyPr rtlCol="0" anchor="ctr"/>
-              <a:lstStyle/>
-              <a:p>
-                <a:pPr algn="ctr"/>
-                <a:endParaRPr lang="en-US" sz="1800"/>
-              </a:p>
-            </p:txBody>
-          </p:sp>
-          <p:sp>
-            <p:nvSpPr>
-              <p:cNvPr id="124" name="TextBox 123"/>
-              <p:cNvSpPr txBox="1"/>
-              <p:nvPr/>
-            </p:nvSpPr>
-            <p:spPr>
-              <a:xfrm>
-                <a:off x="16735639" y="15688495"/>
-                <a:ext cx="1998955" cy="656379"/>
-              </a:xfrm>
-              <a:prstGeom prst="rect">
-                <a:avLst/>
-              </a:prstGeom>
-              <a:solidFill>
-                <a:schemeClr val="accent6">
-                  <a:lumMod val="20000"/>
-                  <a:lumOff val="80000"/>
-                </a:schemeClr>
-              </a:solidFill>
-              <a:ln>
-                <a:solidFill>
-                  <a:schemeClr val="tx1"/>
-                </a:solidFill>
-              </a:ln>
-            </p:spPr>
-            <p:txBody>
-              <a:bodyPr wrap="square" rtlCol="0">
-                <a:spAutoFit/>
-              </a:bodyPr>
-              <a:lstStyle/>
-              <a:p>
-                <a:r>
-                  <a:rPr lang="en-US" sz="1800" b="1" dirty="0" smtClean="0"/>
-                  <a:t>conditions</a:t>
-                </a:r>
-                <a:endParaRPr lang="en-US" sz="1800" b="1" dirty="0"/>
-              </a:p>
-            </p:txBody>
-          </p:sp>
-          <p:pic>
-            <p:nvPicPr>
-              <p:cNvPr id="126" name="Picture 125" descr="Screenshot 2019-07-22 at 11.43.20.png"/>
-              <p:cNvPicPr>
-                <a:picLocks noChangeAspect="1"/>
-              </p:cNvPicPr>
-              <p:nvPr/>
-            </p:nvPicPr>
-            <p:blipFill>
-              <a:blip r:embed="rId4">
-                <a:extLst>
-                  <a:ext uri="{28A0092B-C50C-407E-A947-70E740481C1C}">
-                    <a14:useLocalDpi xmlns:a14="http://schemas.microsoft.com/office/drawing/2010/main" val="0"/>
-                  </a:ext>
-                </a:extLst>
-              </a:blip>
-              <a:stretch>
-                <a:fillRect/>
-              </a:stretch>
-            </p:blipFill>
-            <p:spPr>
-              <a:xfrm>
-                <a:off x="18522835" y="14091487"/>
-                <a:ext cx="387344" cy="293417"/>
-              </a:xfrm>
-              <a:prstGeom prst="rect">
-                <a:avLst/>
-              </a:prstGeom>
-            </p:spPr>
-          </p:pic>
-          <p:grpSp>
-            <p:nvGrpSpPr>
-              <p:cNvPr id="127" name="Group 126"/>
-              <p:cNvGrpSpPr/>
-              <p:nvPr/>
-            </p:nvGrpSpPr>
-            <p:grpSpPr>
-              <a:xfrm>
-                <a:off x="24964905" y="11745059"/>
-                <a:ext cx="2266441" cy="656379"/>
-                <a:chOff x="4816917" y="575396"/>
-                <a:chExt cx="1432934" cy="369332"/>
-              </a:xfrm>
-              <a:solidFill>
-                <a:schemeClr val="accent6">
-                  <a:lumMod val="20000"/>
-                  <a:lumOff val="80000"/>
-                </a:schemeClr>
-              </a:solidFill>
-            </p:grpSpPr>
-            <p:sp>
-              <p:nvSpPr>
-                <p:cNvPr id="138" name="TextBox 137"/>
-                <p:cNvSpPr txBox="1"/>
-                <p:nvPr/>
-              </p:nvSpPr>
-              <p:spPr>
-                <a:xfrm>
-                  <a:off x="4816917" y="575396"/>
-                  <a:ext cx="1432934" cy="369332"/>
-                </a:xfrm>
-                <a:prstGeom prst="rect">
-                  <a:avLst/>
-                </a:prstGeom>
-                <a:grpFill/>
-                <a:ln>
-                  <a:solidFill>
-                    <a:schemeClr val="tx1"/>
-                  </a:solidFill>
-                </a:ln>
-              </p:spPr>
-              <p:txBody>
-                <a:bodyPr wrap="square" rtlCol="0">
-                  <a:spAutoFit/>
-                </a:bodyPr>
-                <a:lstStyle/>
-                <a:p>
-                  <a:r>
-                    <a:rPr lang="en-US" sz="1800" b="1" dirty="0" smtClean="0"/>
-                    <a:t>extraction </a:t>
-                  </a:r>
-                  <a:endParaRPr lang="en-US" sz="1800" b="1" dirty="0"/>
-                </a:p>
-              </p:txBody>
-            </p:sp>
-            <p:pic>
-              <p:nvPicPr>
-                <p:cNvPr id="139" name="Picture 138" descr="Screenshot 2019-07-22 at 11.43.20.png"/>
-                <p:cNvPicPr>
-                  <a:picLocks noChangeAspect="1"/>
-                </p:cNvPicPr>
-                <p:nvPr/>
-              </p:nvPicPr>
-              <p:blipFill>
-                <a:blip r:embed="rId4">
-                  <a:extLst>
-                    <a:ext uri="{28A0092B-C50C-407E-A947-70E740481C1C}">
-                      <a14:useLocalDpi xmlns:a14="http://schemas.microsoft.com/office/drawing/2010/main" val="0"/>
-                    </a:ext>
-                  </a:extLst>
-                </a:blip>
-                <a:stretch>
-                  <a:fillRect/>
-                </a:stretch>
-              </p:blipFill>
-              <p:spPr>
-                <a:xfrm>
-                  <a:off x="6010384" y="693929"/>
-                  <a:ext cx="203305" cy="165100"/>
-                </a:xfrm>
-                <a:prstGeom prst="rect">
-                  <a:avLst/>
-                </a:prstGeom>
-                <a:grpFill/>
-              </p:spPr>
-            </p:pic>
-          </p:grpSp>
-          <p:pic>
-            <p:nvPicPr>
-              <p:cNvPr id="128" name="Picture 127" descr="Screenshot 2019-07-22 at 11.43.20.png"/>
-              <p:cNvPicPr>
-                <a:picLocks noChangeAspect="1"/>
-              </p:cNvPicPr>
-              <p:nvPr/>
-            </p:nvPicPr>
-            <p:blipFill>
-              <a:blip r:embed="rId4">
-                <a:extLst>
-                  <a:ext uri="{28A0092B-C50C-407E-A947-70E740481C1C}">
-                    <a14:useLocalDpi xmlns:a14="http://schemas.microsoft.com/office/drawing/2010/main" val="0"/>
-                  </a:ext>
-                </a:extLst>
-              </a:blip>
-              <a:stretch>
-                <a:fillRect/>
-              </a:stretch>
-            </p:blipFill>
-            <p:spPr>
-              <a:xfrm>
-                <a:off x="27231345" y="12972162"/>
-                <a:ext cx="321563" cy="293417"/>
-              </a:xfrm>
-              <a:prstGeom prst="rect">
-                <a:avLst/>
-              </a:prstGeom>
-            </p:spPr>
-          </p:pic>
-          <p:cxnSp>
-            <p:nvCxnSpPr>
-              <p:cNvPr id="129" name="Elbow Connector 128"/>
-              <p:cNvCxnSpPr>
-                <a:stCxn id="144" idx="3"/>
-                <a:endCxn id="138" idx="1"/>
-              </p:cNvCxnSpPr>
-              <p:nvPr/>
-            </p:nvCxnSpPr>
-            <p:spPr>
-              <a:xfrm flipV="1">
-                <a:off x="23114483" y="12073248"/>
-                <a:ext cx="1850421" cy="387545"/>
-              </a:xfrm>
-              <a:prstGeom prst="bentConnector3">
-                <a:avLst>
-                  <a:gd name="adj1" fmla="val 50000"/>
-                </a:avLst>
-              </a:prstGeom>
-              <a:ln>
-                <a:headEnd type="arrow"/>
-                <a:tailEnd type="arrow"/>
-              </a:ln>
-            </p:spPr>
-            <p:style>
-              <a:lnRef idx="2">
-                <a:schemeClr val="accent1"/>
-              </a:lnRef>
-              <a:fillRef idx="0">
-                <a:schemeClr val="accent1"/>
-              </a:fillRef>
-              <a:effectRef idx="1">
-                <a:schemeClr val="accent1"/>
-              </a:effectRef>
-              <a:fontRef idx="minor">
-                <a:schemeClr val="tx1"/>
-              </a:fontRef>
-            </p:style>
-          </p:cxnSp>
-          <p:grpSp>
-            <p:nvGrpSpPr>
-              <p:cNvPr id="130" name="Group 129"/>
-              <p:cNvGrpSpPr/>
-              <p:nvPr/>
-            </p:nvGrpSpPr>
-            <p:grpSpPr>
-              <a:xfrm>
-                <a:off x="24892965" y="9933983"/>
-                <a:ext cx="3432723" cy="656379"/>
-                <a:chOff x="4816917" y="575396"/>
-                <a:chExt cx="1432934" cy="369332"/>
-              </a:xfrm>
-              <a:solidFill>
-                <a:schemeClr val="accent6">
-                  <a:lumMod val="20000"/>
-                  <a:lumOff val="80000"/>
-                </a:schemeClr>
-              </a:solidFill>
-            </p:grpSpPr>
-            <p:sp>
-              <p:nvSpPr>
-                <p:cNvPr id="136" name="TextBox 135"/>
-                <p:cNvSpPr txBox="1"/>
-                <p:nvPr/>
-              </p:nvSpPr>
-              <p:spPr>
-                <a:xfrm>
-                  <a:off x="4816917" y="575396"/>
-                  <a:ext cx="1432934" cy="369332"/>
-                </a:xfrm>
-                <a:prstGeom prst="rect">
-                  <a:avLst/>
-                </a:prstGeom>
-                <a:grpFill/>
-                <a:ln>
-                  <a:solidFill>
-                    <a:schemeClr val="tx1"/>
-                  </a:solidFill>
-                </a:ln>
-              </p:spPr>
-              <p:txBody>
-                <a:bodyPr wrap="square" rtlCol="0">
-                  <a:spAutoFit/>
-                </a:bodyPr>
-                <a:lstStyle/>
-                <a:p>
-                  <a:r>
-                    <a:rPr lang="en-US" sz="1800" b="1" dirty="0" smtClean="0"/>
-                    <a:t>Bibliography </a:t>
-                  </a:r>
-                  <a:r>
-                    <a:rPr lang="en-US" sz="1800" i="1" dirty="0" smtClean="0"/>
-                    <a:t>(1600) </a:t>
-                  </a:r>
-                  <a:endParaRPr lang="en-US" sz="1800" i="1" dirty="0"/>
-                </a:p>
-              </p:txBody>
-            </p:sp>
-            <p:pic>
-              <p:nvPicPr>
-                <p:cNvPr id="137" name="Picture 136" descr="Screenshot 2019-07-22 at 11.43.20.png"/>
-                <p:cNvPicPr>
-                  <a:picLocks noChangeAspect="1"/>
-                </p:cNvPicPr>
-                <p:nvPr/>
-              </p:nvPicPr>
-              <p:blipFill>
-                <a:blip r:embed="rId4">
-                  <a:extLst>
-                    <a:ext uri="{28A0092B-C50C-407E-A947-70E740481C1C}">
-                      <a14:useLocalDpi xmlns:a14="http://schemas.microsoft.com/office/drawing/2010/main" val="0"/>
-                    </a:ext>
-                  </a:extLst>
-                </a:blip>
-                <a:stretch>
-                  <a:fillRect/>
-                </a:stretch>
-              </p:blipFill>
-              <p:spPr>
-                <a:xfrm>
-                  <a:off x="6010384" y="693929"/>
-                  <a:ext cx="203305" cy="165100"/>
-                </a:xfrm>
-                <a:prstGeom prst="rect">
-                  <a:avLst/>
-                </a:prstGeom>
-                <a:grpFill/>
-              </p:spPr>
-            </p:pic>
-          </p:grpSp>
-          <p:cxnSp>
-            <p:nvCxnSpPr>
-              <p:cNvPr id="131" name="Elbow Connector 130"/>
-              <p:cNvCxnSpPr>
-                <a:stCxn id="144" idx="3"/>
-                <a:endCxn id="136" idx="1"/>
-              </p:cNvCxnSpPr>
-              <p:nvPr/>
-            </p:nvCxnSpPr>
-            <p:spPr>
-              <a:xfrm flipV="1">
-                <a:off x="23114483" y="10262172"/>
-                <a:ext cx="1778482" cy="2198620"/>
-              </a:xfrm>
-              <a:prstGeom prst="bentConnector3">
-                <a:avLst>
-                  <a:gd name="adj1" fmla="val 50000"/>
-                </a:avLst>
-              </a:prstGeom>
-              <a:ln>
-                <a:headEnd type="arrow"/>
-                <a:tailEnd type="arrow"/>
-              </a:ln>
-            </p:spPr>
-            <p:style>
-              <a:lnRef idx="2">
-                <a:schemeClr val="accent1"/>
-              </a:lnRef>
-              <a:fillRef idx="0">
-                <a:schemeClr val="accent1"/>
-              </a:fillRef>
-              <a:effectRef idx="1">
-                <a:schemeClr val="accent1"/>
-              </a:effectRef>
-              <a:fontRef idx="minor">
-                <a:schemeClr val="tx1"/>
-              </a:fontRef>
-            </p:style>
-          </p:cxnSp>
-          <p:sp>
-            <p:nvSpPr>
-              <p:cNvPr id="132" name="TextBox 131"/>
-              <p:cNvSpPr txBox="1"/>
-              <p:nvPr/>
-            </p:nvSpPr>
-            <p:spPr>
-              <a:xfrm>
-                <a:off x="24909231" y="10590362"/>
-                <a:ext cx="3329828" cy="369332"/>
-              </a:xfrm>
-              <a:prstGeom prst="rect">
-                <a:avLst/>
-              </a:prstGeom>
-              <a:noFill/>
-              <a:ln>
-                <a:solidFill>
-                  <a:schemeClr val="tx1"/>
-                </a:solidFill>
-              </a:ln>
-            </p:spPr>
-            <p:txBody>
-              <a:bodyPr wrap="square" rtlCol="0">
-                <a:spAutoFit/>
-              </a:bodyPr>
-              <a:lstStyle/>
-              <a:p>
-                <a:r>
-                  <a:rPr lang="en-US" sz="1800" i="1" dirty="0" err="1" smtClean="0">
-                    <a:solidFill>
-                      <a:srgbClr val="FF0000"/>
-                    </a:solidFill>
-                  </a:rPr>
-                  <a:t>Crossref</a:t>
-                </a:r>
-                <a:r>
-                  <a:rPr lang="en-US" sz="1800" i="1" dirty="0" smtClean="0">
-                    <a:solidFill>
-                      <a:srgbClr val="FF0000"/>
-                    </a:solidFill>
-                  </a:rPr>
-                  <a:t>   </a:t>
-                </a:r>
-                <a:r>
-                  <a:rPr lang="en-US" sz="1800" i="1" dirty="0" err="1" smtClean="0">
-                    <a:solidFill>
-                      <a:srgbClr val="FF0000"/>
-                    </a:solidFill>
-                  </a:rPr>
-                  <a:t>Unpaywall</a:t>
-                </a:r>
-                <a:endParaRPr lang="en-US" sz="1800" i="1" dirty="0" smtClean="0">
-                  <a:solidFill>
-                    <a:srgbClr val="FF0000"/>
-                  </a:solidFill>
-                </a:endParaRPr>
-              </a:p>
-            </p:txBody>
-          </p:sp>
-          <p:pic>
-            <p:nvPicPr>
-              <p:cNvPr id="133" name="Picture 132"/>
-              <p:cNvPicPr>
-                <a:picLocks noChangeAspect="1"/>
-              </p:cNvPicPr>
-              <p:nvPr/>
-            </p:nvPicPr>
-            <p:blipFill>
-              <a:blip r:embed="rId5"/>
-              <a:stretch>
-                <a:fillRect/>
-              </a:stretch>
-            </p:blipFill>
-            <p:spPr>
-              <a:xfrm>
-                <a:off x="16757824" y="16532842"/>
-                <a:ext cx="814791" cy="957715"/>
-              </a:xfrm>
-              <a:prstGeom prst="rect">
-                <a:avLst/>
-              </a:prstGeom>
-            </p:spPr>
-          </p:pic>
-          <p:sp>
-            <p:nvSpPr>
-              <p:cNvPr id="134" name="TextBox 133"/>
-              <p:cNvSpPr txBox="1"/>
-              <p:nvPr/>
-            </p:nvSpPr>
-            <p:spPr>
-              <a:xfrm>
-                <a:off x="20410852" y="16825361"/>
-                <a:ext cx="6462133" cy="923330"/>
-              </a:xfrm>
-              <a:prstGeom prst="rect">
-                <a:avLst/>
-              </a:prstGeom>
-              <a:noFill/>
-            </p:spPr>
-            <p:txBody>
-              <a:bodyPr wrap="square" rtlCol="0">
-                <a:spAutoFit/>
-              </a:bodyPr>
-              <a:lstStyle/>
-              <a:p>
-                <a:r>
-                  <a:rPr lang="en-US" sz="1800" b="1" dirty="0" err="1" smtClean="0"/>
-                  <a:t>Wikifactmine</a:t>
-                </a:r>
-                <a:r>
-                  <a:rPr lang="en-US" sz="1800" b="1" dirty="0" smtClean="0"/>
-                  <a:t> Dictionaries </a:t>
-                </a:r>
-                <a:r>
-                  <a:rPr lang="en-US" sz="1800" i="1" dirty="0" smtClean="0"/>
-                  <a:t>(20+)</a:t>
-                </a:r>
-              </a:p>
-              <a:p>
-                <a:r>
-                  <a:rPr lang="en-US" sz="1800" i="1" dirty="0" smtClean="0"/>
-                  <a:t>crops, funders, government, habitat, invasive, pests, </a:t>
-                </a:r>
-                <a:r>
-                  <a:rPr lang="en-US" sz="1800" i="1" dirty="0" err="1" smtClean="0"/>
-                  <a:t>soiltypes</a:t>
-                </a:r>
-                <a:r>
-                  <a:rPr lang="en-US" sz="1800" i="1" dirty="0" smtClean="0"/>
-                  <a:t>, viruses</a:t>
-                </a:r>
-                <a:r>
-                  <a:rPr lang="mr-IN" sz="1800" i="1" dirty="0" smtClean="0"/>
-                  <a:t>…</a:t>
-                </a:r>
-                <a:endParaRPr lang="en-US" sz="1800" i="1" dirty="0" smtClean="0"/>
-              </a:p>
-            </p:txBody>
-          </p:sp>
-          <p:sp>
-            <p:nvSpPr>
-              <p:cNvPr id="135" name="TextBox 134"/>
-              <p:cNvSpPr txBox="1"/>
-              <p:nvPr/>
-            </p:nvSpPr>
-            <p:spPr>
-              <a:xfrm>
-                <a:off x="20739898" y="10084115"/>
-                <a:ext cx="2755731" cy="707886"/>
-              </a:xfrm>
-              <a:prstGeom prst="rect">
-                <a:avLst/>
-              </a:prstGeom>
-              <a:noFill/>
-            </p:spPr>
-            <p:txBody>
-              <a:bodyPr wrap="none" rtlCol="0">
-                <a:spAutoFit/>
-              </a:bodyPr>
-              <a:lstStyle/>
-              <a:p>
-                <a:r>
-                  <a:rPr lang="en-US" sz="4000" b="1" dirty="0" err="1" smtClean="0"/>
-                  <a:t>EssoilDB</a:t>
-                </a:r>
-                <a:r>
-                  <a:rPr lang="en-US" sz="4000" b="1" dirty="0" smtClean="0"/>
-                  <a:t> 2.0</a:t>
-                </a:r>
-                <a:endParaRPr lang="en-US" sz="4000" b="1" dirty="0"/>
+                <a:endParaRPr lang="en-US" sz="1800" dirty="0" smtClean="0"/>
               </a:p>
             </p:txBody>
           </p:sp>
         </p:grpSp>
+        <p:pic>
+          <p:nvPicPr>
+            <p:cNvPr id="141" name="Picture 140" descr="Screenshot 2019-07-22 at 11.43.20.png"/>
+            <p:cNvPicPr>
+              <a:picLocks noChangeAspect="1"/>
+            </p:cNvPicPr>
+            <p:nvPr/>
+          </p:nvPicPr>
+          <p:blipFill>
+            <a:blip r:embed="rId4">
+              <a:extLst>
+                <a:ext uri="{28A0092B-C50C-407E-A947-70E740481C1C}">
+                  <a14:useLocalDpi xmlns:a14="http://schemas.microsoft.com/office/drawing/2010/main" val="0"/>
+                </a:ext>
+              </a:extLst>
+            </a:blip>
+            <a:stretch>
+              <a:fillRect/>
+            </a:stretch>
+          </p:blipFill>
+          <p:spPr>
+            <a:xfrm>
+              <a:off x="16757824" y="17591081"/>
+              <a:ext cx="839503" cy="471126"/>
+            </a:xfrm>
+            <a:prstGeom prst="rect">
+              <a:avLst/>
+            </a:prstGeom>
+            <a:solidFill>
+              <a:schemeClr val="accent6">
+                <a:lumMod val="20000"/>
+                <a:lumOff val="80000"/>
+              </a:schemeClr>
+            </a:solidFill>
+          </p:spPr>
+        </p:pic>
+      </p:grpSp>
+      <p:sp>
+        <p:nvSpPr>
+          <p:cNvPr id="123" name="Rectangle 122"/>
+          <p:cNvSpPr/>
+          <p:nvPr/>
+        </p:nvSpPr>
+        <p:spPr>
+          <a:xfrm>
+            <a:off x="16661299" y="10683754"/>
+            <a:ext cx="2986313" cy="5828559"/>
+          </a:xfrm>
+          <a:prstGeom prst="rect">
+            <a:avLst/>
+          </a:prstGeom>
+          <a:noFill/>
+        </p:spPr>
+        <p:style>
+          <a:lnRef idx="1">
+            <a:schemeClr val="accent1"/>
+          </a:lnRef>
+          <a:fillRef idx="3">
+            <a:schemeClr val="accent1"/>
+          </a:fillRef>
+          <a:effectRef idx="2">
+            <a:schemeClr val="accent1"/>
+          </a:effectRef>
+          <a:fontRef idx="minor">
+            <a:schemeClr val="lt1"/>
+          </a:fontRef>
+        </p:style>
+        <p:txBody>
+          <a:bodyPr rtlCol="0" anchor="ctr"/>
+          <a:lstStyle/>
+          <a:p>
+            <a:pPr algn="ctr"/>
+            <a:endParaRPr lang="en-US" sz="1800"/>
+          </a:p>
+        </p:txBody>
+      </p:sp>
+      <p:sp>
+        <p:nvSpPr>
+          <p:cNvPr id="124" name="TextBox 123"/>
+          <p:cNvSpPr txBox="1"/>
+          <p:nvPr/>
+        </p:nvSpPr>
+        <p:spPr>
+          <a:xfrm>
+            <a:off x="16735639" y="15781887"/>
+            <a:ext cx="1998955" cy="656379"/>
+          </a:xfrm>
+          <a:prstGeom prst="rect">
+            <a:avLst/>
+          </a:prstGeom>
+          <a:solidFill>
+            <a:schemeClr val="accent6">
+              <a:lumMod val="20000"/>
+              <a:lumOff val="80000"/>
+            </a:schemeClr>
+          </a:solidFill>
+          <a:ln>
+            <a:solidFill>
+              <a:schemeClr val="tx1"/>
+            </a:solidFill>
+          </a:ln>
+        </p:spPr>
+        <p:txBody>
+          <a:bodyPr wrap="square" rtlCol="0">
+            <a:spAutoFit/>
+          </a:bodyPr>
+          <a:lstStyle/>
+          <a:p>
+            <a:r>
+              <a:rPr lang="en-US" sz="1800" b="1" dirty="0" smtClean="0"/>
+              <a:t>conditions</a:t>
+            </a:r>
+            <a:endParaRPr lang="en-US" sz="1800" b="1" dirty="0"/>
+          </a:p>
+        </p:txBody>
+      </p:sp>
+      <p:pic>
+        <p:nvPicPr>
+          <p:cNvPr id="126" name="Picture 125" descr="Screenshot 2019-07-22 at 11.43.20.png"/>
+          <p:cNvPicPr>
+            <a:picLocks noChangeAspect="1"/>
+          </p:cNvPicPr>
+          <p:nvPr/>
+        </p:nvPicPr>
+        <p:blipFill>
+          <a:blip r:embed="rId4">
+            <a:extLst>
+              <a:ext uri="{28A0092B-C50C-407E-A947-70E740481C1C}">
+                <a14:useLocalDpi xmlns:a14="http://schemas.microsoft.com/office/drawing/2010/main" val="0"/>
+              </a:ext>
+            </a:extLst>
+          </a:blip>
+          <a:stretch>
+            <a:fillRect/>
+          </a:stretch>
+        </p:blipFill>
+        <p:spPr>
+          <a:xfrm>
+            <a:off x="18522835" y="14184879"/>
+            <a:ext cx="387344" cy="293417"/>
+          </a:xfrm>
+          <a:prstGeom prst="rect">
+            <a:avLst/>
+          </a:prstGeom>
+        </p:spPr>
+      </p:pic>
+      <p:grpSp>
+        <p:nvGrpSpPr>
+          <p:cNvPr id="127" name="Group 126"/>
+          <p:cNvGrpSpPr/>
+          <p:nvPr/>
+        </p:nvGrpSpPr>
+        <p:grpSpPr>
+          <a:xfrm>
+            <a:off x="24964905" y="11838451"/>
+            <a:ext cx="2266441" cy="656379"/>
+            <a:chOff x="4816917" y="575396"/>
+            <a:chExt cx="1432934" cy="369332"/>
+          </a:xfrm>
+          <a:solidFill>
+            <a:schemeClr val="accent6">
+              <a:lumMod val="20000"/>
+              <a:lumOff val="80000"/>
+            </a:schemeClr>
+          </a:solidFill>
+        </p:grpSpPr>
         <p:sp>
           <p:nvSpPr>
-            <p:cNvPr id="156" name="Rectangle 155"/>
-            <p:cNvSpPr/>
+            <p:cNvPr id="138" name="TextBox 137"/>
+            <p:cNvSpPr txBox="1"/>
             <p:nvPr/>
           </p:nvSpPr>
           <p:spPr>
             <a:xfrm>
-              <a:off x="16111144" y="9933983"/>
-              <a:ext cx="13858602" cy="8350203"/>
+              <a:off x="4816917" y="575396"/>
+              <a:ext cx="1432934" cy="369332"/>
             </a:xfrm>
             <a:prstGeom prst="rect">
               <a:avLst/>
             </a:prstGeom>
-            <a:noFill/>
+            <a:grpFill/>
+            <a:ln>
+              <a:solidFill>
+                <a:schemeClr val="tx1"/>
+              </a:solidFill>
+            </a:ln>
           </p:spPr>
-          <p:style>
-            <a:lnRef idx="1">
-              <a:schemeClr val="accent1"/>
-            </a:lnRef>
-            <a:fillRef idx="3">
-              <a:schemeClr val="accent1"/>
-            </a:fillRef>
-            <a:effectRef idx="2">
-              <a:schemeClr val="accent1"/>
-            </a:effectRef>
-            <a:fontRef idx="minor">
-              <a:schemeClr val="lt1"/>
-            </a:fontRef>
-          </p:style>
           <p:txBody>
-            <a:bodyPr rtlCol="0" anchor="ctr"/>
+            <a:bodyPr wrap="square" rtlCol="0">
+              <a:spAutoFit/>
+            </a:bodyPr>
             <a:lstStyle/>
             <a:p>
-              <a:pPr algn="ctr"/>
-              <a:endParaRPr lang="en-US"/>
+              <a:r>
+                <a:rPr lang="en-US" sz="1800" b="1" dirty="0" smtClean="0"/>
+                <a:t>extraction </a:t>
+              </a:r>
+              <a:endParaRPr lang="en-US" sz="1800" b="1" dirty="0"/>
             </a:p>
           </p:txBody>
         </p:sp>
+        <p:pic>
+          <p:nvPicPr>
+            <p:cNvPr id="139" name="Picture 138" descr="Screenshot 2019-07-22 at 11.43.20.png"/>
+            <p:cNvPicPr>
+              <a:picLocks noChangeAspect="1"/>
+            </p:cNvPicPr>
+            <p:nvPr/>
+          </p:nvPicPr>
+          <p:blipFill>
+            <a:blip r:embed="rId4">
+              <a:extLst>
+                <a:ext uri="{28A0092B-C50C-407E-A947-70E740481C1C}">
+                  <a14:useLocalDpi xmlns:a14="http://schemas.microsoft.com/office/drawing/2010/main" val="0"/>
+                </a:ext>
+              </a:extLst>
+            </a:blip>
+            <a:stretch>
+              <a:fillRect/>
+            </a:stretch>
+          </p:blipFill>
+          <p:spPr>
+            <a:xfrm>
+              <a:off x="6010384" y="693929"/>
+              <a:ext cx="203305" cy="165100"/>
+            </a:xfrm>
+            <a:prstGeom prst="rect">
+              <a:avLst/>
+            </a:prstGeom>
+            <a:grpFill/>
+          </p:spPr>
+        </p:pic>
       </p:grpSp>
+      <p:pic>
+        <p:nvPicPr>
+          <p:cNvPr id="128" name="Picture 127" descr="Screenshot 2019-07-22 at 11.43.20.png"/>
+          <p:cNvPicPr>
+            <a:picLocks noChangeAspect="1"/>
+          </p:cNvPicPr>
+          <p:nvPr/>
+        </p:nvPicPr>
+        <p:blipFill>
+          <a:blip r:embed="rId4">
+            <a:extLst>
+              <a:ext uri="{28A0092B-C50C-407E-A947-70E740481C1C}">
+                <a14:useLocalDpi xmlns:a14="http://schemas.microsoft.com/office/drawing/2010/main" val="0"/>
+              </a:ext>
+            </a:extLst>
+          </a:blip>
+          <a:stretch>
+            <a:fillRect/>
+          </a:stretch>
+        </p:blipFill>
+        <p:spPr>
+          <a:xfrm>
+            <a:off x="27231345" y="13065554"/>
+            <a:ext cx="321563" cy="293417"/>
+          </a:xfrm>
+          <a:prstGeom prst="rect">
+            <a:avLst/>
+          </a:prstGeom>
+        </p:spPr>
+      </p:pic>
+      <p:cxnSp>
+        <p:nvCxnSpPr>
+          <p:cNvPr id="129" name="Elbow Connector 128"/>
+          <p:cNvCxnSpPr>
+            <a:stCxn id="144" idx="3"/>
+            <a:endCxn id="138" idx="1"/>
+          </p:cNvCxnSpPr>
+          <p:nvPr/>
+        </p:nvCxnSpPr>
+        <p:spPr>
+          <a:xfrm flipV="1">
+            <a:off x="23114483" y="12166640"/>
+            <a:ext cx="1850421" cy="387545"/>
+          </a:xfrm>
+          <a:prstGeom prst="bentConnector3">
+            <a:avLst>
+              <a:gd name="adj1" fmla="val 50000"/>
+            </a:avLst>
+          </a:prstGeom>
+          <a:ln>
+            <a:headEnd type="arrow"/>
+            <a:tailEnd type="arrow"/>
+          </a:ln>
+        </p:spPr>
+        <p:style>
+          <a:lnRef idx="2">
+            <a:schemeClr val="accent1"/>
+          </a:lnRef>
+          <a:fillRef idx="0">
+            <a:schemeClr val="accent1"/>
+          </a:fillRef>
+          <a:effectRef idx="1">
+            <a:schemeClr val="accent1"/>
+          </a:effectRef>
+          <a:fontRef idx="minor">
+            <a:schemeClr val="tx1"/>
+          </a:fontRef>
+        </p:style>
+      </p:cxnSp>
+      <p:grpSp>
+        <p:nvGrpSpPr>
+          <p:cNvPr id="130" name="Group 129"/>
+          <p:cNvGrpSpPr/>
+          <p:nvPr/>
+        </p:nvGrpSpPr>
+        <p:grpSpPr>
+          <a:xfrm>
+            <a:off x="24892965" y="10027375"/>
+            <a:ext cx="3432723" cy="656379"/>
+            <a:chOff x="4816917" y="575396"/>
+            <a:chExt cx="1432934" cy="369332"/>
+          </a:xfrm>
+          <a:solidFill>
+            <a:schemeClr val="accent6">
+              <a:lumMod val="20000"/>
+              <a:lumOff val="80000"/>
+            </a:schemeClr>
+          </a:solidFill>
+        </p:grpSpPr>
+        <p:sp>
+          <p:nvSpPr>
+            <p:cNvPr id="136" name="TextBox 135"/>
+            <p:cNvSpPr txBox="1"/>
+            <p:nvPr/>
+          </p:nvSpPr>
+          <p:spPr>
+            <a:xfrm>
+              <a:off x="4816917" y="575396"/>
+              <a:ext cx="1432934" cy="369332"/>
+            </a:xfrm>
+            <a:prstGeom prst="rect">
+              <a:avLst/>
+            </a:prstGeom>
+            <a:grpFill/>
+            <a:ln>
+              <a:solidFill>
+                <a:schemeClr val="tx1"/>
+              </a:solidFill>
+            </a:ln>
+          </p:spPr>
+          <p:txBody>
+            <a:bodyPr wrap="square" rtlCol="0">
+              <a:spAutoFit/>
+            </a:bodyPr>
+            <a:lstStyle/>
+            <a:p>
+              <a:r>
+                <a:rPr lang="en-US" sz="1800" b="1" dirty="0" smtClean="0"/>
+                <a:t>Bibliography </a:t>
+              </a:r>
+              <a:r>
+                <a:rPr lang="en-US" sz="1800" i="1" dirty="0" smtClean="0"/>
+                <a:t>(1600) </a:t>
+              </a:r>
+              <a:endParaRPr lang="en-US" sz="1800" i="1" dirty="0"/>
+            </a:p>
+          </p:txBody>
+        </p:sp>
+        <p:pic>
+          <p:nvPicPr>
+            <p:cNvPr id="137" name="Picture 136" descr="Screenshot 2019-07-22 at 11.43.20.png"/>
+            <p:cNvPicPr>
+              <a:picLocks noChangeAspect="1"/>
+            </p:cNvPicPr>
+            <p:nvPr/>
+          </p:nvPicPr>
+          <p:blipFill>
+            <a:blip r:embed="rId4">
+              <a:extLst>
+                <a:ext uri="{28A0092B-C50C-407E-A947-70E740481C1C}">
+                  <a14:useLocalDpi xmlns:a14="http://schemas.microsoft.com/office/drawing/2010/main" val="0"/>
+                </a:ext>
+              </a:extLst>
+            </a:blip>
+            <a:stretch>
+              <a:fillRect/>
+            </a:stretch>
+          </p:blipFill>
+          <p:spPr>
+            <a:xfrm>
+              <a:off x="6010384" y="693929"/>
+              <a:ext cx="203305" cy="165100"/>
+            </a:xfrm>
+            <a:prstGeom prst="rect">
+              <a:avLst/>
+            </a:prstGeom>
+            <a:grpFill/>
+          </p:spPr>
+        </p:pic>
+      </p:grpSp>
+      <p:cxnSp>
+        <p:nvCxnSpPr>
+          <p:cNvPr id="131" name="Elbow Connector 130"/>
+          <p:cNvCxnSpPr>
+            <a:stCxn id="144" idx="3"/>
+            <a:endCxn id="136" idx="1"/>
+          </p:cNvCxnSpPr>
+          <p:nvPr/>
+        </p:nvCxnSpPr>
+        <p:spPr>
+          <a:xfrm flipV="1">
+            <a:off x="23114483" y="10355564"/>
+            <a:ext cx="1778482" cy="2198620"/>
+          </a:xfrm>
+          <a:prstGeom prst="bentConnector3">
+            <a:avLst>
+              <a:gd name="adj1" fmla="val 50000"/>
+            </a:avLst>
+          </a:prstGeom>
+          <a:ln>
+            <a:headEnd type="arrow"/>
+            <a:tailEnd type="arrow"/>
+          </a:ln>
+        </p:spPr>
+        <p:style>
+          <a:lnRef idx="2">
+            <a:schemeClr val="accent1"/>
+          </a:lnRef>
+          <a:fillRef idx="0">
+            <a:schemeClr val="accent1"/>
+          </a:fillRef>
+          <a:effectRef idx="1">
+            <a:schemeClr val="accent1"/>
+          </a:effectRef>
+          <a:fontRef idx="minor">
+            <a:schemeClr val="tx1"/>
+          </a:fontRef>
+        </p:style>
+      </p:cxnSp>
+      <p:sp>
+        <p:nvSpPr>
+          <p:cNvPr id="132" name="TextBox 131"/>
+          <p:cNvSpPr txBox="1"/>
+          <p:nvPr/>
+        </p:nvSpPr>
+        <p:spPr>
+          <a:xfrm>
+            <a:off x="24909231" y="10683754"/>
+            <a:ext cx="3329828" cy="369332"/>
+          </a:xfrm>
+          <a:prstGeom prst="rect">
+            <a:avLst/>
+          </a:prstGeom>
+          <a:noFill/>
+          <a:ln>
+            <a:solidFill>
+              <a:schemeClr val="tx1"/>
+            </a:solidFill>
+          </a:ln>
+        </p:spPr>
+        <p:txBody>
+          <a:bodyPr wrap="square" rtlCol="0">
+            <a:spAutoFit/>
+          </a:bodyPr>
+          <a:lstStyle/>
+          <a:p>
+            <a:r>
+              <a:rPr lang="en-US" sz="1800" i="1" dirty="0" err="1" smtClean="0">
+                <a:solidFill>
+                  <a:srgbClr val="FF0000"/>
+                </a:solidFill>
+              </a:rPr>
+              <a:t>Crossref</a:t>
+            </a:r>
+            <a:r>
+              <a:rPr lang="en-US" sz="1800" i="1" dirty="0" smtClean="0">
+                <a:solidFill>
+                  <a:srgbClr val="FF0000"/>
+                </a:solidFill>
+              </a:rPr>
+              <a:t>   </a:t>
+            </a:r>
+            <a:r>
+              <a:rPr lang="en-US" sz="1800" i="1" dirty="0" err="1" smtClean="0">
+                <a:solidFill>
+                  <a:srgbClr val="FF0000"/>
+                </a:solidFill>
+              </a:rPr>
+              <a:t>Unpaywall</a:t>
+            </a:r>
+            <a:endParaRPr lang="en-US" sz="1800" i="1" dirty="0" smtClean="0">
+              <a:solidFill>
+                <a:srgbClr val="FF0000"/>
+              </a:solidFill>
+            </a:endParaRPr>
+          </a:p>
+        </p:txBody>
+      </p:sp>
+      <p:pic>
+        <p:nvPicPr>
+          <p:cNvPr id="133" name="Picture 132"/>
+          <p:cNvPicPr>
+            <a:picLocks noChangeAspect="1"/>
+          </p:cNvPicPr>
+          <p:nvPr/>
+        </p:nvPicPr>
+        <p:blipFill>
+          <a:blip r:embed="rId5"/>
+          <a:stretch>
+            <a:fillRect/>
+          </a:stretch>
+        </p:blipFill>
+        <p:spPr>
+          <a:xfrm>
+            <a:off x="16757824" y="16626234"/>
+            <a:ext cx="814791" cy="957715"/>
+          </a:xfrm>
+          <a:prstGeom prst="rect">
+            <a:avLst/>
+          </a:prstGeom>
+        </p:spPr>
+      </p:pic>
+      <p:sp>
+        <p:nvSpPr>
+          <p:cNvPr id="134" name="TextBox 133"/>
+          <p:cNvSpPr txBox="1"/>
+          <p:nvPr/>
+        </p:nvSpPr>
+        <p:spPr>
+          <a:xfrm>
+            <a:off x="20410852" y="16918753"/>
+            <a:ext cx="6462133" cy="923330"/>
+          </a:xfrm>
+          <a:prstGeom prst="rect">
+            <a:avLst/>
+          </a:prstGeom>
+          <a:noFill/>
+        </p:spPr>
+        <p:txBody>
+          <a:bodyPr wrap="square" rtlCol="0">
+            <a:spAutoFit/>
+          </a:bodyPr>
+          <a:lstStyle/>
+          <a:p>
+            <a:r>
+              <a:rPr lang="en-US" sz="1800" b="1" dirty="0" err="1" smtClean="0"/>
+              <a:t>Wikifactmine</a:t>
+            </a:r>
+            <a:r>
+              <a:rPr lang="en-US" sz="1800" b="1" dirty="0" smtClean="0"/>
+              <a:t> Dictionaries </a:t>
+            </a:r>
+            <a:r>
+              <a:rPr lang="en-US" sz="1800" i="1" dirty="0" smtClean="0"/>
+              <a:t>(20+)</a:t>
+            </a:r>
+          </a:p>
+          <a:p>
+            <a:r>
+              <a:rPr lang="en-US" sz="1800" i="1" dirty="0" smtClean="0"/>
+              <a:t>crops, funders, government, habitat, invasive, pests, </a:t>
+            </a:r>
+            <a:r>
+              <a:rPr lang="en-US" sz="1800" i="1" dirty="0" err="1" smtClean="0"/>
+              <a:t>soiltypes</a:t>
+            </a:r>
+            <a:r>
+              <a:rPr lang="en-US" sz="1800" i="1" dirty="0" smtClean="0"/>
+              <a:t>, viruses</a:t>
+            </a:r>
+            <a:r>
+              <a:rPr lang="mr-IN" sz="1800" i="1" dirty="0" smtClean="0"/>
+              <a:t>…</a:t>
+            </a:r>
+            <a:r>
+              <a:rPr lang="en-GB" sz="1800" i="1" dirty="0" smtClean="0"/>
+              <a:t>mono-, di-, </a:t>
+            </a:r>
+            <a:r>
+              <a:rPr lang="en-GB" sz="1800" i="1" dirty="0" err="1" smtClean="0"/>
+              <a:t>triterpens</a:t>
+            </a:r>
+            <a:r>
+              <a:rPr lang="en-GB" sz="1800" i="1" dirty="0" smtClean="0"/>
+              <a:t>, </a:t>
+            </a:r>
+            <a:endParaRPr lang="en-US" sz="1800" i="1" dirty="0" smtClean="0"/>
+          </a:p>
+        </p:txBody>
+      </p:sp>
+      <p:sp>
+        <p:nvSpPr>
+          <p:cNvPr id="135" name="TextBox 134"/>
+          <p:cNvSpPr txBox="1"/>
+          <p:nvPr/>
+        </p:nvSpPr>
+        <p:spPr>
+          <a:xfrm>
+            <a:off x="20739898" y="10177507"/>
+            <a:ext cx="2755731" cy="707886"/>
+          </a:xfrm>
+          <a:prstGeom prst="rect">
+            <a:avLst/>
+          </a:prstGeom>
+          <a:noFill/>
+        </p:spPr>
+        <p:txBody>
+          <a:bodyPr wrap="none" rtlCol="0">
+            <a:spAutoFit/>
+          </a:bodyPr>
+          <a:lstStyle/>
+          <a:p>
+            <a:r>
+              <a:rPr lang="en-US" sz="4000" b="1" dirty="0" err="1" smtClean="0"/>
+              <a:t>EssoilDB</a:t>
+            </a:r>
+            <a:r>
+              <a:rPr lang="en-US" sz="4000" b="1" dirty="0" smtClean="0"/>
+              <a:t> 2.0</a:t>
+            </a:r>
+            <a:endParaRPr lang="en-US" sz="4000" b="1" dirty="0"/>
+          </a:p>
+        </p:txBody>
+      </p:sp>
+      <p:sp>
+        <p:nvSpPr>
+          <p:cNvPr id="156" name="Rectangle 155"/>
+          <p:cNvSpPr/>
+          <p:nvPr/>
+        </p:nvSpPr>
+        <p:spPr>
+          <a:xfrm>
+            <a:off x="16416611" y="9933983"/>
+            <a:ext cx="13858602" cy="9024556"/>
+          </a:xfrm>
+          <a:prstGeom prst="rect">
+            <a:avLst/>
+          </a:prstGeom>
+          <a:noFill/>
+        </p:spPr>
+        <p:style>
+          <a:lnRef idx="1">
+            <a:schemeClr val="accent1"/>
+          </a:lnRef>
+          <a:fillRef idx="3">
+            <a:schemeClr val="accent1"/>
+          </a:fillRef>
+          <a:effectRef idx="2">
+            <a:schemeClr val="accent1"/>
+          </a:effectRef>
+          <a:fontRef idx="minor">
+            <a:schemeClr val="lt1"/>
+          </a:fontRef>
+        </p:style>
+        <p:txBody>
+          <a:bodyPr rtlCol="0" anchor="ctr"/>
+          <a:lstStyle/>
+          <a:p>
+            <a:pPr algn="ctr"/>
+            <a:endParaRPr lang="en-US"/>
+          </a:p>
+        </p:txBody>
+      </p:sp>
       <p:cxnSp>
         <p:nvCxnSpPr>
           <p:cNvPr id="159" name="Straight Arrow Connector 158"/>
@@ -6858,7 +6851,7 @@
         </p:blipFill>
         <p:spPr>
           <a:xfrm>
-            <a:off x="748127" y="24170294"/>
+            <a:off x="748127" y="24509013"/>
             <a:ext cx="1667510" cy="1633220"/>
           </a:xfrm>
           <a:prstGeom prst="ellipse">
@@ -6976,7 +6969,7 @@
         </p:blipFill>
         <p:spPr>
           <a:xfrm>
-            <a:off x="365364" y="29810934"/>
+            <a:off x="562345" y="28529305"/>
             <a:ext cx="2059305" cy="2193925"/>
           </a:xfrm>
           <a:prstGeom prst="ellipse">
@@ -8012,8 +8005,8 @@
         </p:blipFill>
         <p:spPr>
           <a:xfrm>
-            <a:off x="8588157" y="24574080"/>
-            <a:ext cx="1414481" cy="2552367"/>
+            <a:off x="22080547" y="28027014"/>
+            <a:ext cx="707240" cy="1276183"/>
           </a:xfrm>
           <a:prstGeom prst="rect">
             <a:avLst/>
@@ -8211,13 +8204,13 @@
       </p:grpSp>
       <p:sp>
         <p:nvSpPr>
-          <p:cNvPr id="272" name="TextBox 271"/>
+          <p:cNvPr id="273" name="TextBox 272"/>
           <p:cNvSpPr txBox="1"/>
           <p:nvPr/>
         </p:nvSpPr>
         <p:spPr>
           <a:xfrm>
-            <a:off x="18748532" y="36283405"/>
+            <a:off x="9366306" y="29626268"/>
             <a:ext cx="1592281" cy="369332"/>
           </a:xfrm>
           <a:prstGeom prst="rect">
@@ -8242,8 +8235,8 @@
           <a:lstStyle/>
           <a:p>
             <a:r>
-              <a:rPr lang="en-US" sz="1800" b="1" dirty="0" err="1" smtClean="0"/>
-              <a:t>Wikipatways</a:t>
+              <a:rPr lang="en-US" sz="1800" b="1" dirty="0" smtClean="0"/>
+              <a:t>Compound</a:t>
             </a:r>
             <a:endParaRPr lang="en-US" sz="1800" b="1" dirty="0"/>
           </a:p>
@@ -8251,59 +8244,21 @@
       </p:sp>
       <p:sp>
         <p:nvSpPr>
-          <p:cNvPr id="273" name="TextBox 272"/>
+          <p:cNvPr id="25" name="TextBox 24"/>
           <p:cNvSpPr txBox="1"/>
           <p:nvPr/>
         </p:nvSpPr>
         <p:spPr>
           <a:xfrm>
-            <a:off x="9366306" y="29626268"/>
-            <a:ext cx="1592281" cy="369332"/>
+            <a:off x="13647817" y="20642481"/>
+            <a:ext cx="2839514" cy="400110"/>
           </a:xfrm>
           <a:prstGeom prst="rect">
             <a:avLst/>
           </a:prstGeom>
           <a:solidFill>
-            <a:schemeClr val="accent6">
-              <a:lumMod val="20000"/>
-              <a:lumOff val="80000"/>
-            </a:schemeClr>
+            <a:srgbClr val="FF0000"/>
           </a:solidFill>
-          <a:ln>
-            <a:solidFill>
-              <a:schemeClr val="tx1"/>
-            </a:solidFill>
-          </a:ln>
-        </p:spPr>
-        <p:txBody>
-          <a:bodyPr wrap="square" rtlCol="0">
-            <a:spAutoFit/>
-          </a:bodyPr>
-          <a:lstStyle/>
-          <a:p>
-            <a:r>
-              <a:rPr lang="en-US" sz="1800" b="1" dirty="0" smtClean="0"/>
-              <a:t>Compound</a:t>
-            </a:r>
-            <a:endParaRPr lang="en-US" sz="1800" b="1" dirty="0"/>
-          </a:p>
-        </p:txBody>
-      </p:sp>
-      <p:sp>
-        <p:nvSpPr>
-          <p:cNvPr id="25" name="TextBox 24"/>
-          <p:cNvSpPr txBox="1"/>
-          <p:nvPr/>
-        </p:nvSpPr>
-        <p:spPr>
-          <a:xfrm>
-            <a:off x="11465293" y="20274926"/>
-            <a:ext cx="3595080" cy="1354217"/>
-          </a:xfrm>
-          <a:prstGeom prst="rect">
-            <a:avLst/>
-          </a:prstGeom>
-          <a:noFill/>
         </p:spPr>
         <p:txBody>
           <a:bodyPr wrap="none" rtlCol="0">
@@ -8312,10 +8267,10 @@
           <a:lstStyle/>
           <a:p>
             <a:r>
-              <a:rPr lang="en-US" dirty="0" smtClean="0"/>
-              <a:t>Lantana </a:t>
-            </a:r>
-            <a:endParaRPr lang="en-US" dirty="0"/>
+              <a:rPr lang="en-US" sz="2000" dirty="0" smtClean="0"/>
+              <a:t>Story about Lantana PMR </a:t>
+            </a:r>
+            <a:endParaRPr lang="en-US" sz="2000" dirty="0"/>
           </a:p>
         </p:txBody>
       </p:sp>
@@ -8341,7 +8296,7 @@
         </p:blipFill>
         <p:spPr>
           <a:xfrm>
-            <a:off x="27917496" y="14245933"/>
+            <a:off x="27694962" y="14300540"/>
             <a:ext cx="321563" cy="293417"/>
           </a:xfrm>
           <a:prstGeom prst="rect">
@@ -8719,6 +8674,170 @@
               <a:t>***ADD EXAMPLES OF SEARCH ** PMR</a:t>
             </a:r>
             <a:endParaRPr lang="en-US" sz="2000" dirty="0"/>
+          </a:p>
+        </p:txBody>
+      </p:sp>
+      <p:grpSp>
+        <p:nvGrpSpPr>
+          <p:cNvPr id="307" name="Group 306"/>
+          <p:cNvGrpSpPr/>
+          <p:nvPr/>
+        </p:nvGrpSpPr>
+        <p:grpSpPr>
+          <a:xfrm>
+            <a:off x="26860166" y="18129129"/>
+            <a:ext cx="3432723" cy="427684"/>
+            <a:chOff x="4839793" y="618379"/>
+            <a:chExt cx="1432934" cy="240650"/>
+          </a:xfrm>
+          <a:solidFill>
+            <a:schemeClr val="accent6">
+              <a:lumMod val="20000"/>
+              <a:lumOff val="80000"/>
+            </a:schemeClr>
+          </a:solidFill>
+        </p:grpSpPr>
+        <p:sp>
+          <p:nvSpPr>
+            <p:cNvPr id="308" name="TextBox 307"/>
+            <p:cNvSpPr txBox="1"/>
+            <p:nvPr/>
+          </p:nvSpPr>
+          <p:spPr>
+            <a:xfrm>
+              <a:off x="4839793" y="618379"/>
+              <a:ext cx="1432934" cy="207816"/>
+            </a:xfrm>
+            <a:prstGeom prst="rect">
+              <a:avLst/>
+            </a:prstGeom>
+            <a:grpFill/>
+            <a:ln>
+              <a:solidFill>
+                <a:schemeClr val="tx1"/>
+              </a:solidFill>
+            </a:ln>
+          </p:spPr>
+          <p:txBody>
+            <a:bodyPr wrap="square" rtlCol="0">
+              <a:spAutoFit/>
+            </a:bodyPr>
+            <a:lstStyle/>
+            <a:p>
+              <a:r>
+                <a:rPr lang="en-US" sz="1800" b="1" dirty="0" smtClean="0"/>
+                <a:t>Table</a:t>
+              </a:r>
+              <a:r>
+                <a:rPr lang="en-US" sz="1800" i="1" dirty="0" smtClean="0"/>
+                <a:t>(count) </a:t>
+              </a:r>
+              <a:endParaRPr lang="en-US" sz="1800" i="1" dirty="0"/>
+            </a:p>
+          </p:txBody>
+        </p:sp>
+        <p:pic>
+          <p:nvPicPr>
+            <p:cNvPr id="309" name="Picture 308" descr="Screenshot 2019-07-22 at 11.43.20.png"/>
+            <p:cNvPicPr>
+              <a:picLocks noChangeAspect="1"/>
+            </p:cNvPicPr>
+            <p:nvPr/>
+          </p:nvPicPr>
+          <p:blipFill>
+            <a:blip r:embed="rId4">
+              <a:extLst>
+                <a:ext uri="{28A0092B-C50C-407E-A947-70E740481C1C}">
+                  <a14:useLocalDpi xmlns:a14="http://schemas.microsoft.com/office/drawing/2010/main" val="0"/>
+                </a:ext>
+              </a:extLst>
+            </a:blip>
+            <a:stretch>
+              <a:fillRect/>
+            </a:stretch>
+          </p:blipFill>
+          <p:spPr>
+            <a:xfrm>
+              <a:off x="6010384" y="693929"/>
+              <a:ext cx="203305" cy="165100"/>
+            </a:xfrm>
+            <a:prstGeom prst="rect">
+              <a:avLst/>
+            </a:prstGeom>
+            <a:grpFill/>
+          </p:spPr>
+        </p:pic>
+      </p:grpSp>
+      <p:sp>
+        <p:nvSpPr>
+          <p:cNvPr id="310" name="TextBox 309"/>
+          <p:cNvSpPr txBox="1"/>
+          <p:nvPr/>
+        </p:nvSpPr>
+        <p:spPr>
+          <a:xfrm>
+            <a:off x="26821630" y="18498462"/>
+            <a:ext cx="3329828" cy="369332"/>
+          </a:xfrm>
+          <a:prstGeom prst="rect">
+            <a:avLst/>
+          </a:prstGeom>
+          <a:noFill/>
+          <a:ln>
+            <a:solidFill>
+              <a:schemeClr val="tx1"/>
+            </a:solidFill>
+          </a:ln>
+        </p:spPr>
+        <p:txBody>
+          <a:bodyPr wrap="square" rtlCol="0">
+            <a:spAutoFit/>
+          </a:bodyPr>
+          <a:lstStyle/>
+          <a:p>
+            <a:r>
+              <a:rPr lang="en-US" sz="1800" i="1" dirty="0" smtClean="0">
+                <a:solidFill>
+                  <a:srgbClr val="FF0000"/>
+                </a:solidFill>
+              </a:rPr>
+              <a:t>Open lookup/disambiguation</a:t>
+            </a:r>
+            <a:endParaRPr lang="en-US" sz="1800" i="1" dirty="0" smtClean="0">
+              <a:solidFill>
+                <a:srgbClr val="FF0000"/>
+              </a:solidFill>
+            </a:endParaRPr>
+          </a:p>
+        </p:txBody>
+      </p:sp>
+      <p:sp>
+        <p:nvSpPr>
+          <p:cNvPr id="56" name="TextBox 55"/>
+          <p:cNvSpPr txBox="1"/>
+          <p:nvPr/>
+        </p:nvSpPr>
+        <p:spPr>
+          <a:xfrm>
+            <a:off x="26073850" y="18236850"/>
+            <a:ext cx="697627" cy="523220"/>
+          </a:xfrm>
+          <a:prstGeom prst="rect">
+            <a:avLst/>
+          </a:prstGeom>
+          <a:noFill/>
+        </p:spPr>
+        <p:txBody>
+          <a:bodyPr wrap="none" rtlCol="0">
+            <a:spAutoFit/>
+          </a:bodyPr>
+          <a:lstStyle/>
+          <a:p>
+            <a:r>
+              <a:rPr lang="en-US" sz="2800" dirty="0" smtClean="0"/>
+              <a:t>key</a:t>
+            </a:r>
+            <a:endParaRPr lang="en-US" sz="2800" dirty="0"/>
           </a:p>
         </p:txBody>
       </p:sp>
